--- a/files/TARA-arendajakoolitus.pptx
+++ b/files/TARA-arendajakoolitus.pptx
@@ -5,7 +5,7 @@
     <p:sldMasterId id="2147483648" r:id="rId1"/>
   </p:sldMasterIdLst>
   <p:notesMasterIdLst>
-    <p:notesMasterId r:id="rId16"/>
+    <p:notesMasterId r:id="rId23"/>
   </p:notesMasterIdLst>
   <p:sldIdLst>
     <p:sldId id="265" r:id="rId2"/>
@@ -15,13 +15,20 @@
     <p:sldId id="270" r:id="rId6"/>
     <p:sldId id="271" r:id="rId7"/>
     <p:sldId id="272" r:id="rId8"/>
-    <p:sldId id="273" r:id="rId9"/>
-    <p:sldId id="274" r:id="rId10"/>
-    <p:sldId id="275" r:id="rId11"/>
-    <p:sldId id="276" r:id="rId12"/>
-    <p:sldId id="277" r:id="rId13"/>
-    <p:sldId id="278" r:id="rId14"/>
-    <p:sldId id="279" r:id="rId15"/>
+    <p:sldId id="280" r:id="rId9"/>
+    <p:sldId id="273" r:id="rId10"/>
+    <p:sldId id="274" r:id="rId11"/>
+    <p:sldId id="281" r:id="rId12"/>
+    <p:sldId id="282" r:id="rId13"/>
+    <p:sldId id="283" r:id="rId14"/>
+    <p:sldId id="275" r:id="rId15"/>
+    <p:sldId id="276" r:id="rId16"/>
+    <p:sldId id="277" r:id="rId17"/>
+    <p:sldId id="284" r:id="rId18"/>
+    <p:sldId id="285" r:id="rId19"/>
+    <p:sldId id="278" r:id="rId20"/>
+    <p:sldId id="286" r:id="rId21"/>
+    <p:sldId id="279" r:id="rId22"/>
   </p:sldIdLst>
   <p:sldSz cx="8999538" cy="6840538"/>
   <p:notesSz cx="7559675" cy="10691813"/>
@@ -192,7 +199,7 @@
   </p:defaultTextStyle>
   <p:extLst>
     <p:ext uri="{EFAFB233-063F-42B5-8137-9DF3F51BA10A}">
-      <p15:sldGuideLst xmlns:p15="http://schemas.microsoft.com/office/powerpoint/2012/main">
+      <p15:sldGuideLst xmlns="" xmlns:p15="http://schemas.microsoft.com/office/powerpoint/2012/main">
         <p15:guide id="1" orient="horz" pos="2160">
           <p15:clr>
             <a:srgbClr val="A4A3A4"/>
@@ -206,7 +213,7 @@
       </p15:sldGuideLst>
     </p:ext>
     <p:ext uri="{2D200454-40CA-4A62-9FC3-DE9A4176ACB9}">
-      <p15:notesGuideLst xmlns:p15="http://schemas.microsoft.com/office/powerpoint/2012/main">
+      <p15:notesGuideLst xmlns="" xmlns:p15="http://schemas.microsoft.com/office/powerpoint/2012/main">
         <p15:guide id="1" orient="horz" pos="2880">
           <p15:clr>
             <a:srgbClr val="A4A3A4"/>
@@ -272,14 +279,14 @@
           </a:ln>
           <a:effectLst/>
           <a:extLst>
-            <a:ext uri="{909E8E84-426E-40DD-AFC4-6F175D3DCCD1}">
+            <a:ext uri="{909E8E84-426E-40dd-AFC4-6F175D3DCCD1}">
               <a14:hiddenFill xmlns:a14="http://schemas.microsoft.com/office/drawing/2010/main">
                 <a:solidFill>
                   <a:srgbClr val="FFFFFF"/>
                 </a:solidFill>
               </a14:hiddenFill>
             </a:ext>
-            <a:ext uri="{91240B29-F687-4F45-9708-019B960494DF}">
+            <a:ext uri="{91240B29-F687-4f45-9708-019B960494DF}">
               <a14:hiddenLine xmlns:a14="http://schemas.microsoft.com/office/drawing/2010/main" w="9525" cap="flat">
                 <a:solidFill>
                   <a:srgbClr val="808080"/>
@@ -289,7 +296,7 @@
                 <a:tailEnd/>
               </a14:hiddenLine>
             </a:ext>
-            <a:ext uri="{AF507438-7753-43E0-B8FC-AC1667EBCBE1}">
+            <a:ext uri="{AF507438-7753-43e0-B8FC-AC1667EBCBE1}">
               <a14:hiddenEffects xmlns:a14="http://schemas.microsoft.com/office/drawing/2010/main">
                 <a:effectLst>
                   <a:outerShdw dist="35921" dir="2700000" algn="ctr" rotWithShape="0">
@@ -325,14 +332,14 @@
           </a:ln>
           <a:effectLst/>
           <a:extLst>
-            <a:ext uri="{909E8E84-426E-40DD-AFC4-6F175D3DCCD1}">
+            <a:ext uri="{909E8E84-426E-40dd-AFC4-6F175D3DCCD1}">
               <a14:hiddenFill xmlns:a14="http://schemas.microsoft.com/office/drawing/2010/main">
                 <a:solidFill>
                   <a:srgbClr val="FFFFFF"/>
                 </a:solidFill>
               </a14:hiddenFill>
             </a:ext>
-            <a:ext uri="{91240B29-F687-4F45-9708-019B960494DF}">
+            <a:ext uri="{91240B29-F687-4f45-9708-019B960494DF}">
               <a14:hiddenLine xmlns:a14="http://schemas.microsoft.com/office/drawing/2010/main" w="9525" cap="flat">
                 <a:solidFill>
                   <a:srgbClr val="808080"/>
@@ -342,7 +349,7 @@
                 <a:tailEnd/>
               </a14:hiddenLine>
             </a:ext>
-            <a:ext uri="{AF507438-7753-43E0-B8FC-AC1667EBCBE1}">
+            <a:ext uri="{AF507438-7753-43e0-B8FC-AC1667EBCBE1}">
               <a14:hiddenEffects xmlns:a14="http://schemas.microsoft.com/office/drawing/2010/main">
                 <a:effectLst>
                   <a:outerShdw dist="35921" dir="2700000" algn="ctr" rotWithShape="0">
@@ -390,14 +397,14 @@
           </a:ln>
           <a:effectLst/>
           <a:extLst>
-            <a:ext uri="{909E8E84-426E-40DD-AFC4-6F175D3DCCD1}">
+            <a:ext uri="{909E8E84-426E-40dd-AFC4-6F175D3DCCD1}">
               <a14:hiddenFill xmlns:a14="http://schemas.microsoft.com/office/drawing/2010/main">
                 <a:solidFill>
                   <a:srgbClr val="FFFFFF"/>
                 </a:solidFill>
               </a14:hiddenFill>
             </a:ext>
-            <a:ext uri="{91240B29-F687-4F45-9708-019B960494DF}">
+            <a:ext uri="{91240B29-F687-4f45-9708-019B960494DF}">
               <a14:hiddenLine xmlns:a14="http://schemas.microsoft.com/office/drawing/2010/main" w="9525" cap="flat">
                 <a:solidFill>
                   <a:srgbClr val="808080"/>
@@ -407,7 +414,7 @@
                 <a:tailEnd/>
               </a14:hiddenLine>
             </a:ext>
-            <a:ext uri="{AF507438-7753-43E0-B8FC-AC1667EBCBE1}">
+            <a:ext uri="{AF507438-7753-43e0-B8FC-AC1667EBCBE1}">
               <a14:hiddenEffects xmlns:a14="http://schemas.microsoft.com/office/drawing/2010/main">
                 <a:effectLst>
                   <a:outerShdw dist="35921" dir="2700000" algn="ctr" rotWithShape="0">
@@ -473,14 +480,14 @@
           </a:ln>
           <a:effectLst/>
           <a:extLst>
-            <a:ext uri="{909E8E84-426E-40DD-AFC4-6F175D3DCCD1}">
+            <a:ext uri="{909E8E84-426E-40dd-AFC4-6F175D3DCCD1}">
               <a14:hiddenFill xmlns:a14="http://schemas.microsoft.com/office/drawing/2010/main">
                 <a:solidFill>
                   <a:srgbClr val="FFFFFF"/>
                 </a:solidFill>
               </a14:hiddenFill>
             </a:ext>
-            <a:ext uri="{91240B29-F687-4F45-9708-019B960494DF}">
+            <a:ext uri="{91240B29-F687-4f45-9708-019B960494DF}">
               <a14:hiddenLine xmlns:a14="http://schemas.microsoft.com/office/drawing/2010/main" w="9525" cap="flat">
                 <a:solidFill>
                   <a:srgbClr val="808080"/>
@@ -490,7 +497,7 @@
                 <a:tailEnd/>
               </a14:hiddenLine>
             </a:ext>
-            <a:ext uri="{AF507438-7753-43E0-B8FC-AC1667EBCBE1}">
+            <a:ext uri="{AF507438-7753-43e0-B8FC-AC1667EBCBE1}">
               <a14:hiddenEffects xmlns:a14="http://schemas.microsoft.com/office/drawing/2010/main">
                 <a:effectLst>
                   <a:outerShdw dist="35921" dir="2700000" algn="ctr" rotWithShape="0">
@@ -556,14 +563,14 @@
           </a:ln>
           <a:effectLst/>
           <a:extLst>
-            <a:ext uri="{909E8E84-426E-40DD-AFC4-6F175D3DCCD1}">
+            <a:ext uri="{909E8E84-426E-40dd-AFC4-6F175D3DCCD1}">
               <a14:hiddenFill xmlns:a14="http://schemas.microsoft.com/office/drawing/2010/main">
                 <a:solidFill>
                   <a:srgbClr val="FFFFFF"/>
                 </a:solidFill>
               </a14:hiddenFill>
             </a:ext>
-            <a:ext uri="{91240B29-F687-4F45-9708-019B960494DF}">
+            <a:ext uri="{91240B29-F687-4f45-9708-019B960494DF}">
               <a14:hiddenLine xmlns:a14="http://schemas.microsoft.com/office/drawing/2010/main" w="9525" cap="flat">
                 <a:solidFill>
                   <a:srgbClr val="808080"/>
@@ -573,7 +580,7 @@
                 <a:tailEnd/>
               </a14:hiddenLine>
             </a:ext>
-            <a:ext uri="{AF507438-7753-43E0-B8FC-AC1667EBCBE1}">
+            <a:ext uri="{AF507438-7753-43e0-B8FC-AC1667EBCBE1}">
               <a14:hiddenEffects xmlns:a14="http://schemas.microsoft.com/office/drawing/2010/main">
                 <a:effectLst>
                   <a:outerShdw dist="35921" dir="2700000" algn="ctr" rotWithShape="0">
@@ -639,14 +646,14 @@
           </a:ln>
           <a:effectLst/>
           <a:extLst>
-            <a:ext uri="{909E8E84-426E-40DD-AFC4-6F175D3DCCD1}">
+            <a:ext uri="{909E8E84-426E-40dd-AFC4-6F175D3DCCD1}">
               <a14:hiddenFill xmlns:a14="http://schemas.microsoft.com/office/drawing/2010/main">
                 <a:solidFill>
                   <a:srgbClr val="FFFFFF"/>
                 </a:solidFill>
               </a14:hiddenFill>
             </a:ext>
-            <a:ext uri="{91240B29-F687-4F45-9708-019B960494DF}">
+            <a:ext uri="{91240B29-F687-4f45-9708-019B960494DF}">
               <a14:hiddenLine xmlns:a14="http://schemas.microsoft.com/office/drawing/2010/main" w="9525" cap="flat">
                 <a:solidFill>
                   <a:srgbClr val="808080"/>
@@ -656,7 +663,7 @@
                 <a:tailEnd/>
               </a14:hiddenLine>
             </a:ext>
-            <a:ext uri="{AF507438-7753-43E0-B8FC-AC1667EBCBE1}">
+            <a:ext uri="{AF507438-7753-43e0-B8FC-AC1667EBCBE1}">
               <a14:hiddenEffects xmlns:a14="http://schemas.microsoft.com/office/drawing/2010/main">
                 <a:effectLst>
                   <a:outerShdw dist="35921" dir="2700000" algn="ctr" rotWithShape="0">
@@ -1044,7 +1051,7 @@
   <p:timing>
     <p:tnLst>
       <p:par>
-        <p:cTn id="1" dur="indefinite" restart="never" nodeType="tmRoot"/>
+        <p:cTn xmlns:p14="http://schemas.microsoft.com/office/powerpoint/2010/main" id="1" dur="indefinite" restart="never" nodeType="tmRoot"/>
       </p:par>
     </p:tnLst>
   </p:timing>
@@ -1202,7 +1209,7 @@
   <p:timing>
     <p:tnLst>
       <p:par>
-        <p:cTn id="1" dur="indefinite" restart="never" nodeType="tmRoot"/>
+        <p:cTn xmlns:p14="http://schemas.microsoft.com/office/powerpoint/2010/main" id="1" dur="indefinite" restart="never" nodeType="tmRoot"/>
       </p:par>
     </p:tnLst>
   </p:timing>
@@ -1366,7 +1373,7 @@
   <p:timing>
     <p:tnLst>
       <p:par>
-        <p:cTn id="1" dur="indefinite" restart="never" nodeType="tmRoot"/>
+        <p:cTn xmlns:p14="http://schemas.microsoft.com/office/powerpoint/2010/main" id="1" dur="indefinite" restart="never" nodeType="tmRoot"/>
       </p:par>
     </p:tnLst>
   </p:timing>
@@ -1542,7 +1549,7 @@
   <p:timing>
     <p:tnLst>
       <p:par>
-        <p:cTn id="1" dur="indefinite" restart="never" nodeType="tmRoot"/>
+        <p:cTn xmlns:p14="http://schemas.microsoft.com/office/powerpoint/2010/main" id="1" dur="indefinite" restart="never" nodeType="tmRoot"/>
       </p:par>
     </p:tnLst>
   </p:timing>
@@ -1579,7 +1586,7 @@
   <p:timing>
     <p:tnLst>
       <p:par>
-        <p:cTn id="1" dur="indefinite" restart="never" nodeType="tmRoot"/>
+        <p:cTn xmlns:p14="http://schemas.microsoft.com/office/powerpoint/2010/main" id="1" dur="indefinite" restart="never" nodeType="tmRoot"/>
       </p:par>
     </p:tnLst>
   </p:timing>
@@ -1635,14 +1642,14 @@
           </a:ln>
           <a:effectLst/>
           <a:extLst>
-            <a:ext uri="{909E8E84-426E-40DD-AFC4-6F175D3DCCD1}">
+            <a:ext uri="{909E8E84-426E-40dd-AFC4-6F175D3DCCD1}">
               <a14:hiddenFill xmlns:a14="http://schemas.microsoft.com/office/drawing/2010/main">
                 <a:solidFill>
                   <a:srgbClr val="FFFFFF"/>
                 </a:solidFill>
               </a14:hiddenFill>
             </a:ext>
-            <a:ext uri="{91240B29-F687-4F45-9708-019B960494DF}">
+            <a:ext uri="{91240B29-F687-4f45-9708-019B960494DF}">
               <a14:hiddenLine xmlns:a14="http://schemas.microsoft.com/office/drawing/2010/main" w="9525" cap="flat">
                 <a:solidFill>
                   <a:srgbClr val="808080"/>
@@ -1652,7 +1659,7 @@
                 <a:tailEnd/>
               </a14:hiddenLine>
             </a:ext>
-            <a:ext uri="{AF507438-7753-43E0-B8FC-AC1667EBCBE1}">
+            <a:ext uri="{AF507438-7753-43e0-B8FC-AC1667EBCBE1}">
               <a14:hiddenEffects xmlns:a14="http://schemas.microsoft.com/office/drawing/2010/main">
                 <a:effectLst>
                   <a:outerShdw dist="35921" dir="2700000" algn="ctr" rotWithShape="0">
@@ -1703,14 +1710,14 @@
           </a:ln>
           <a:effectLst/>
           <a:extLst>
-            <a:ext uri="{909E8E84-426E-40DD-AFC4-6F175D3DCCD1}">
+            <a:ext uri="{909E8E84-426E-40dd-AFC4-6F175D3DCCD1}">
               <a14:hiddenFill xmlns:a14="http://schemas.microsoft.com/office/drawing/2010/main">
                 <a:solidFill>
                   <a:srgbClr val="FFFFFF"/>
                 </a:solidFill>
               </a14:hiddenFill>
             </a:ext>
-            <a:ext uri="{91240B29-F687-4F45-9708-019B960494DF}">
+            <a:ext uri="{91240B29-F687-4f45-9708-019B960494DF}">
               <a14:hiddenLine xmlns:a14="http://schemas.microsoft.com/office/drawing/2010/main" w="9525" cap="flat">
                 <a:solidFill>
                   <a:srgbClr val="808080"/>
@@ -1720,7 +1727,7 @@
                 <a:tailEnd/>
               </a14:hiddenLine>
             </a:ext>
-            <a:ext uri="{AF507438-7753-43E0-B8FC-AC1667EBCBE1}">
+            <a:ext uri="{AF507438-7753-43e0-B8FC-AC1667EBCBE1}">
               <a14:hiddenEffects xmlns:a14="http://schemas.microsoft.com/office/drawing/2010/main">
                 <a:effectLst>
                   <a:outerShdw dist="35921" dir="2700000" algn="ctr" rotWithShape="0">
@@ -1827,14 +1834,14 @@
           </a:ln>
           <a:effectLst/>
           <a:extLst>
-            <a:ext uri="{909E8E84-426E-40DD-AFC4-6F175D3DCCD1}">
+            <a:ext uri="{909E8E84-426E-40dd-AFC4-6F175D3DCCD1}">
               <a14:hiddenFill xmlns:a14="http://schemas.microsoft.com/office/drawing/2010/main">
                 <a:solidFill>
                   <a:srgbClr val="FFFFFF"/>
                 </a:solidFill>
               </a14:hiddenFill>
             </a:ext>
-            <a:ext uri="{91240B29-F687-4F45-9708-019B960494DF}">
+            <a:ext uri="{91240B29-F687-4f45-9708-019B960494DF}">
               <a14:hiddenLine xmlns:a14="http://schemas.microsoft.com/office/drawing/2010/main" w="9525" cap="flat">
                 <a:solidFill>
                   <a:srgbClr val="808080"/>
@@ -1844,7 +1851,7 @@
                 <a:tailEnd/>
               </a14:hiddenLine>
             </a:ext>
-            <a:ext uri="{AF507438-7753-43E0-B8FC-AC1667EBCBE1}">
+            <a:ext uri="{AF507438-7753-43e0-B8FC-AC1667EBCBE1}">
               <a14:hiddenEffects xmlns:a14="http://schemas.microsoft.com/office/drawing/2010/main">
                 <a:effectLst>
                   <a:outerShdw dist="35921" dir="2700000" algn="ctr" rotWithShape="0">
@@ -1909,14 +1916,14 @@
           </a:ln>
           <a:effectLst/>
           <a:extLst>
-            <a:ext uri="{909E8E84-426E-40DD-AFC4-6F175D3DCCD1}">
+            <a:ext uri="{909E8E84-426E-40dd-AFC4-6F175D3DCCD1}">
               <a14:hiddenFill xmlns:a14="http://schemas.microsoft.com/office/drawing/2010/main">
                 <a:solidFill>
                   <a:srgbClr val="FFFFFF"/>
                 </a:solidFill>
               </a14:hiddenFill>
             </a:ext>
-            <a:ext uri="{91240B29-F687-4F45-9708-019B960494DF}">
+            <a:ext uri="{91240B29-F687-4f45-9708-019B960494DF}">
               <a14:hiddenLine xmlns:a14="http://schemas.microsoft.com/office/drawing/2010/main" w="9525" cap="flat">
                 <a:solidFill>
                   <a:srgbClr val="808080"/>
@@ -1926,7 +1933,7 @@
                 <a:tailEnd/>
               </a14:hiddenLine>
             </a:ext>
-            <a:ext uri="{AF507438-7753-43E0-B8FC-AC1667EBCBE1}">
+            <a:ext uri="{AF507438-7753-43e0-B8FC-AC1667EBCBE1}">
               <a14:hiddenEffects xmlns:a14="http://schemas.microsoft.com/office/drawing/2010/main">
                 <a:effectLst>
                   <a:outerShdw dist="35921" dir="2700000" algn="ctr" rotWithShape="0">
@@ -1992,14 +1999,14 @@
           </a:ln>
           <a:effectLst/>
           <a:extLst>
-            <a:ext uri="{909E8E84-426E-40DD-AFC4-6F175D3DCCD1}">
+            <a:ext uri="{909E8E84-426E-40dd-AFC4-6F175D3DCCD1}">
               <a14:hiddenFill xmlns:a14="http://schemas.microsoft.com/office/drawing/2010/main">
                 <a:solidFill>
                   <a:srgbClr val="FFFFFF"/>
                 </a:solidFill>
               </a14:hiddenFill>
             </a:ext>
-            <a:ext uri="{91240B29-F687-4F45-9708-019B960494DF}">
+            <a:ext uri="{91240B29-F687-4f45-9708-019B960494DF}">
               <a14:hiddenLine xmlns:a14="http://schemas.microsoft.com/office/drawing/2010/main" w="9525" cap="flat">
                 <a:solidFill>
                   <a:srgbClr val="808080"/>
@@ -2009,7 +2016,7 @@
                 <a:tailEnd/>
               </a14:hiddenLine>
             </a:ext>
-            <a:ext uri="{AF507438-7753-43E0-B8FC-AC1667EBCBE1}">
+            <a:ext uri="{AF507438-7753-43e0-B8FC-AC1667EBCBE1}">
               <a14:hiddenEffects xmlns:a14="http://schemas.microsoft.com/office/drawing/2010/main">
                 <a:effectLst>
                   <a:outerShdw dist="35921" dir="2700000" algn="ctr" rotWithShape="0">
@@ -2068,7 +2075,7 @@
   <p:timing>
     <p:tnLst>
       <p:par>
-        <p:cTn id="1" dur="indefinite" restart="never" nodeType="tmRoot"/>
+        <p:cTn xmlns:p14="http://schemas.microsoft.com/office/powerpoint/2010/main" id="1" dur="indefinite" restart="never" nodeType="tmRoot"/>
       </p:par>
     </p:tnLst>
   </p:timing>
@@ -2693,7 +2700,7 @@
   <p:timing>
     <p:tnLst>
       <p:par>
-        <p:cTn id="1" dur="indefinite" restart="never" nodeType="tmRoot"/>
+        <p:cTn xmlns:p14="http://schemas.microsoft.com/office/powerpoint/2010/main" id="1" dur="indefinite" restart="never" nodeType="tmRoot"/>
       </p:par>
     </p:tnLst>
   </p:timing>
@@ -2734,19 +2741,22 @@
           <a:p>
             <a:r>
               <a:rPr lang="fi-FI" dirty="0"/>
-              <a:t>PRAKTIKA III: </a:t>
-            </a:r>
-            <a:r>
-              <a:rPr lang="fi-FI" dirty="0" err="1"/>
-              <a:t>Autentimispäringu</a:t>
+              <a:t>6 TARAs liikuvatest andmetest</a:t>
+            </a:r>
+            <a:r>
+              <a:rPr lang="et-EE" dirty="0"/>
+              <a:t>:</a:t>
             </a:r>
             <a:r>
               <a:rPr lang="fi-FI" dirty="0"/>
-              <a:t> koostamine ja </a:t>
-            </a:r>
-            <a:r>
-              <a:rPr lang="fi-FI" dirty="0" err="1"/>
-              <a:t>saatmine</a:t>
+              <a:t/>
+            </a:r>
+            <a:br>
+              <a:rPr lang="fi-FI" dirty="0"/>
+            </a:br>
+            <a:r>
+              <a:rPr lang="et-EE" dirty="0"/>
+              <a:t>Autentimispäring</a:t>
             </a:r>
             <a:endParaRPr lang="et-EE" dirty="0"/>
           </a:p>
@@ -2767,14 +2777,51 @@
           <a:bodyPr/>
           <a:lstStyle/>
           <a:p>
-            <a:endParaRPr lang="et-EE"/>
+            <a:r>
+              <a:rPr lang="et-EE" dirty="0">
+                <a:hlinkClick r:id="rId2"/>
+              </a:rPr>
+              <a:t>TARA autentimispäring (Tehniline kirjeldus)</a:t>
+            </a:r>
+            <a:endParaRPr lang="et-EE" dirty="0"/>
+          </a:p>
+          <a:p>
+            <a:pPr marL="457200" indent="-457200">
+              <a:buFont typeface="Arial" panose="020B0604020202020204" pitchFamily="34" charset="0"/>
+              <a:buChar char="•"/>
+            </a:pPr>
+            <a:r>
+              <a:rPr lang="et-EE" dirty="0"/>
+              <a:t>Tähelepanu tuleb pöörata Eesti ja „</a:t>
+            </a:r>
+            <a:r>
+              <a:rPr lang="et-EE" dirty="0" err="1"/>
+              <a:t>eIDAS</a:t>
+            </a:r>
+            <a:r>
+              <a:rPr lang="et-EE" dirty="0"/>
+              <a:t>“ autentimise eripäradele (lisa atribuutide küsimine)</a:t>
+            </a:r>
+          </a:p>
+          <a:p>
+            <a:pPr marL="457200" indent="-457200">
+              <a:buFont typeface="Arial" panose="020B0604020202020204" pitchFamily="34" charset="0"/>
+              <a:buChar char="•"/>
+            </a:pPr>
+            <a:r>
+              <a:rPr lang="et-EE" dirty="0"/>
+              <a:t>Tagasipöördus URL on registreeritud ning seda ei saa käigult muuta</a:t>
+            </a:r>
+          </a:p>
+          <a:p>
+            <a:endParaRPr lang="et-EE" dirty="0"/>
           </a:p>
         </p:txBody>
       </p:sp>
     </p:spTree>
     <p:extLst>
       <p:ext uri="{BB962C8B-B14F-4D97-AF65-F5344CB8AC3E}">
-        <p14:creationId xmlns:p14="http://schemas.microsoft.com/office/powerpoint/2010/main" val="2206001851"/>
+        <p14:creationId xmlns:p14="http://schemas.microsoft.com/office/powerpoint/2010/main" val="2863389875"/>
       </p:ext>
     </p:extLst>
   </p:cSld>
@@ -2803,7 +2850,7 @@
       </p:grpSpPr>
       <p:sp>
         <p:nvSpPr>
-          <p:cNvPr id="2" name="Pealkiri 1"/>
+          <p:cNvPr id="2" name="Title 1"/>
           <p:cNvSpPr>
             <a:spLocks noGrp="1"/>
           </p:cNvSpPr>
@@ -2818,27 +2865,11 @@
           <a:p>
             <a:r>
               <a:rPr lang="fi-FI" dirty="0"/>
-              <a:t>7 TARA </a:t>
-            </a:r>
-            <a:r>
-              <a:rPr lang="fi-FI" dirty="0" err="1"/>
-              <a:t>liidese</a:t>
-            </a:r>
-            <a:r>
-              <a:rPr lang="fi-FI" dirty="0"/>
-              <a:t> </a:t>
-            </a:r>
-            <a:r>
-              <a:rPr lang="fi-FI" dirty="0" err="1"/>
-              <a:t>turvalisuse</a:t>
-            </a:r>
-            <a:r>
-              <a:rPr lang="fi-FI" dirty="0"/>
-              <a:t> </a:t>
-            </a:r>
-            <a:r>
-              <a:rPr lang="fi-FI" dirty="0" err="1"/>
-              <a:t>tagamine</a:t>
+              <a:t>6 TARAs liikuvatest andmetest</a:t>
+            </a:r>
+            <a:r>
+              <a:rPr lang="et-EE" dirty="0"/>
+              <a:t>:</a:t>
             </a:r>
             <a:r>
               <a:rPr lang="fi-FI" dirty="0"/>
@@ -2847,13 +2878,17 @@
             <a:br>
               <a:rPr lang="fi-FI" dirty="0"/>
             </a:br>
-            <a:endParaRPr lang="et-EE" dirty="0"/>
+            <a:r>
+              <a:rPr lang="et-EE" dirty="0"/>
+              <a:t>Tagasipöördumispäring</a:t>
+            </a:r>
+            <a:endParaRPr lang="en-US" dirty="0"/>
           </a:p>
         </p:txBody>
       </p:sp>
       <p:sp>
         <p:nvSpPr>
-          <p:cNvPr id="5" name="Sisu kohatäide 4"/>
+          <p:cNvPr id="3" name="Content Placeholder 2"/>
           <p:cNvSpPr>
             <a:spLocks noGrp="1"/>
           </p:cNvSpPr>
@@ -2866,120 +2901,33 @@
           <a:bodyPr/>
           <a:lstStyle/>
           <a:p>
+            <a:r>
+              <a:rPr lang="et-EE" dirty="0">
+                <a:hlinkClick r:id="rId2"/>
+              </a:rPr>
+              <a:t>TARA tagasisuunamispäring (Tehniline kirjeldus)</a:t>
+            </a:r>
+            <a:endParaRPr lang="et-EE" dirty="0"/>
+          </a:p>
+          <a:p>
             <a:pPr marL="457200" indent="-457200">
               <a:buFont typeface="Arial" panose="020B0604020202020204" pitchFamily="34" charset="0"/>
               <a:buChar char="•"/>
             </a:pPr>
             <a:r>
-              <a:rPr lang="et-EE" dirty="0" err="1" smtClean="0"/>
-              <a:t>OpenID</a:t>
-            </a:r>
-            <a:r>
-              <a:rPr lang="et-EE" dirty="0" smtClean="0"/>
-              <a:t> </a:t>
-            </a:r>
-            <a:r>
-              <a:rPr lang="et-EE" dirty="0" err="1"/>
-              <a:t>Connect</a:t>
-            </a:r>
-            <a:r>
-              <a:rPr lang="et-EE" dirty="0"/>
-              <a:t> turvamehhanismid</a:t>
-            </a:r>
-          </a:p>
-          <a:p>
-            <a:pPr marL="457200" indent="-457200">
-              <a:buFont typeface="Arial" panose="020B0604020202020204" pitchFamily="34" charset="0"/>
-              <a:buChar char="•"/>
-            </a:pPr>
-            <a:r>
-              <a:rPr lang="et-EE" dirty="0" smtClean="0"/>
-              <a:t>Salasõna </a:t>
-            </a:r>
-            <a:r>
-              <a:rPr lang="et-EE" dirty="0"/>
-              <a:t>käitlemine</a:t>
-            </a:r>
-          </a:p>
-          <a:p>
-            <a:pPr marL="457200" indent="-457200">
-              <a:buFont typeface="Arial" panose="020B0604020202020204" pitchFamily="34" charset="0"/>
-              <a:buChar char="•"/>
-            </a:pPr>
-            <a:r>
-              <a:rPr lang="et-EE" dirty="0" smtClean="0">
-                <a:hlinkClick r:id="rId2"/>
-              </a:rPr>
-              <a:t>Võltspäringu </a:t>
-            </a:r>
-            <a:r>
-              <a:rPr lang="et-EE" dirty="0">
-                <a:hlinkClick r:id="rId2"/>
-              </a:rPr>
-              <a:t>vastane kaitse</a:t>
-            </a:r>
-            <a:r>
-              <a:rPr lang="et-EE" dirty="0"/>
-              <a:t> (</a:t>
-            </a:r>
-            <a:r>
-              <a:rPr lang="et-EE" sz="2800" dirty="0" err="1">
-                <a:solidFill>
-                  <a:srgbClr val="FF5B4D"/>
-                </a:solidFill>
-                <a:latin typeface="Courier New" panose="02070309020205020404" pitchFamily="49" charset="0"/>
-                <a:cs typeface="Courier New" panose="02070309020205020404" pitchFamily="49" charset="0"/>
-              </a:rPr>
-              <a:t>state</a:t>
-            </a:r>
-            <a:r>
-              <a:rPr lang="et-EE" dirty="0" smtClean="0"/>
-              <a:t>)</a:t>
-            </a:r>
-            <a:endParaRPr lang="et-EE" dirty="0"/>
-          </a:p>
-          <a:p>
-            <a:pPr marL="457200" indent="-457200">
-              <a:buFont typeface="Arial" panose="020B0604020202020204" pitchFamily="34" charset="0"/>
-              <a:buChar char="•"/>
-            </a:pPr>
-            <a:r>
-              <a:rPr lang="et-EE" dirty="0" smtClean="0">
-                <a:hlinkClick r:id="rId3"/>
-              </a:rPr>
-              <a:t>Identsustõendi </a:t>
-            </a:r>
-            <a:r>
-              <a:rPr lang="et-EE" dirty="0">
-                <a:hlinkClick r:id="rId3"/>
-              </a:rPr>
-              <a:t>kontrollimine</a:t>
-            </a:r>
-            <a:endParaRPr lang="et-EE" dirty="0"/>
-          </a:p>
-          <a:p>
-            <a:pPr marL="457200" lvl="1" indent="-457200">
-              <a:buFont typeface="Arial" panose="020B0604020202020204" pitchFamily="34" charset="0"/>
-              <a:buChar char="•"/>
-            </a:pPr>
-            <a:r>
-              <a:rPr lang="et-EE" dirty="0" smtClean="0"/>
-              <a:t>allkiri</a:t>
-            </a:r>
-            <a:r>
-              <a:rPr lang="et-EE" dirty="0"/>
-              <a:t>, tõendi väljaandja, adressaat, ajaline kehtivus</a:t>
-            </a:r>
-          </a:p>
-          <a:p>
-            <a:endParaRPr lang="et-EE" dirty="0"/>
+              <a:rPr lang="et-EE" dirty="0"/>
+              <a:t>Volituskood on ühekordne!</a:t>
+            </a:r>
+          </a:p>
+          <a:p>
+            <a:endParaRPr lang="en-US" dirty="0"/>
           </a:p>
         </p:txBody>
       </p:sp>
     </p:spTree>
     <p:extLst>
       <p:ext uri="{BB962C8B-B14F-4D97-AF65-F5344CB8AC3E}">
-        <p14:creationId xmlns:p14="http://schemas.microsoft.com/office/powerpoint/2010/main" val="100104866"/>
+        <p14:creationId xmlns:p14="http://schemas.microsoft.com/office/powerpoint/2010/main" val="589932746"/>
       </p:ext>
     </p:extLst>
   </p:cSld>
@@ -3008,7 +2956,7 @@
       </p:grpSpPr>
       <p:sp>
         <p:nvSpPr>
-          <p:cNvPr id="2" name="Pealkiri 1"/>
+          <p:cNvPr id="2" name="Title 1"/>
           <p:cNvSpPr>
             <a:spLocks noGrp="1"/>
           </p:cNvSpPr>
@@ -3022,19 +2970,27 @@
           <a:lstStyle/>
           <a:p>
             <a:r>
-              <a:rPr lang="et-EE" dirty="0"/>
-              <a:t>8 Liidese programmeerimine</a:t>
+              <a:rPr lang="fi-FI" dirty="0"/>
+              <a:t>6 TARAs liikuvatest andmetest</a:t>
+            </a:r>
+            <a:r>
+              <a:rPr lang="et-EE" dirty="0"/>
+              <a:t>:</a:t>
             </a:r>
             <a:br>
               <a:rPr lang="et-EE" dirty="0"/>
             </a:br>
-            <a:endParaRPr lang="et-EE" dirty="0"/>
+            <a:r>
+              <a:rPr lang="et-EE" dirty="0"/>
+              <a:t>Identsustõendi päring</a:t>
+            </a:r>
+            <a:endParaRPr lang="en-US" dirty="0"/>
           </a:p>
         </p:txBody>
       </p:sp>
       <p:sp>
         <p:nvSpPr>
-          <p:cNvPr id="3" name="Sisu kohatäide 2"/>
+          <p:cNvPr id="3" name="Content Placeholder 2"/>
           <p:cNvSpPr>
             <a:spLocks noGrp="1"/>
           </p:cNvSpPr>
@@ -3047,14 +3003,67 @@
           <a:bodyPr/>
           <a:lstStyle/>
           <a:p>
-            <a:endParaRPr lang="et-EE"/>
+            <a:r>
+              <a:rPr lang="fi-FI" dirty="0">
+                <a:hlinkClick r:id="rId2"/>
+              </a:rPr>
+              <a:t>TARA identsustõendi päring (Tehniline kirjeldus)</a:t>
+            </a:r>
+            <a:endParaRPr lang="et-EE" dirty="0"/>
+          </a:p>
+          <a:p>
+            <a:pPr marL="457200" indent="-457200">
+              <a:buFont typeface="Arial" panose="020B0604020202020204" pitchFamily="34" charset="0"/>
+              <a:buChar char="•"/>
+            </a:pPr>
+            <a:r>
+              <a:rPr lang="et-EE" dirty="0"/>
+              <a:t>Identsustõend tuleb küsida kohe peale volituskoodi saamist</a:t>
+            </a:r>
+          </a:p>
+          <a:p>
+            <a:pPr marL="457200" indent="-457200">
+              <a:buFont typeface="Arial" panose="020B0604020202020204" pitchFamily="34" charset="0"/>
+              <a:buChar char="•"/>
+            </a:pPr>
+            <a:r>
+              <a:rPr lang="et-EE" dirty="0"/>
+              <a:t>Tähelepanu pöörata </a:t>
+            </a:r>
+            <a:r>
+              <a:rPr lang="et-EE" dirty="0" err="1">
+                <a:solidFill>
+                  <a:srgbClr val="FF5B4D"/>
+                </a:solidFill>
+                <a:latin typeface="Courier New" panose="02070309020205020404" pitchFamily="49" charset="0"/>
+                <a:cs typeface="Courier New" panose="02070309020205020404" pitchFamily="49" charset="0"/>
+              </a:rPr>
+              <a:t>Authorization</a:t>
+            </a:r>
+            <a:r>
+              <a:rPr lang="et-EE" dirty="0">
+                <a:solidFill>
+                  <a:srgbClr val="FF5B4D"/>
+                </a:solidFill>
+                <a:latin typeface="Courier New" panose="02070309020205020404" pitchFamily="49" charset="0"/>
+                <a:cs typeface="Courier New" panose="02070309020205020404" pitchFamily="49" charset="0"/>
+              </a:rPr>
+              <a:t> </a:t>
+            </a:r>
+            <a:r>
+              <a:rPr lang="et-EE" dirty="0"/>
+              <a:t>päise formeeringule</a:t>
+            </a:r>
+          </a:p>
+          <a:p>
+            <a:endParaRPr lang="en-US" dirty="0"/>
           </a:p>
         </p:txBody>
       </p:sp>
     </p:spTree>
     <p:extLst>
       <p:ext uri="{BB962C8B-B14F-4D97-AF65-F5344CB8AC3E}">
-        <p14:creationId xmlns:p14="http://schemas.microsoft.com/office/powerpoint/2010/main" val="1970594490"/>
+        <p14:creationId xmlns:p14="http://schemas.microsoft.com/office/powerpoint/2010/main" val="917218152"/>
       </p:ext>
     </p:extLst>
   </p:cSld>
@@ -3083,7 +3092,7 @@
       </p:grpSpPr>
       <p:sp>
         <p:nvSpPr>
-          <p:cNvPr id="2" name="Pealkiri 1"/>
+          <p:cNvPr id="2" name="Title 1"/>
           <p:cNvSpPr>
             <a:spLocks noGrp="1"/>
           </p:cNvSpPr>
@@ -3097,19 +3106,27 @@
           <a:lstStyle/>
           <a:p>
             <a:r>
-              <a:rPr lang="et-EE" dirty="0"/>
-              <a:t>9 Liidese testimine</a:t>
+              <a:rPr lang="fi-FI" dirty="0"/>
+              <a:t>6 TARAs liikuvatest andmetest</a:t>
+            </a:r>
+            <a:r>
+              <a:rPr lang="et-EE" dirty="0"/>
+              <a:t>:</a:t>
             </a:r>
             <a:br>
               <a:rPr lang="et-EE" dirty="0"/>
             </a:br>
-            <a:endParaRPr lang="et-EE" dirty="0"/>
+            <a:r>
+              <a:rPr lang="et-EE" dirty="0"/>
+              <a:t>Identsustõend</a:t>
+            </a:r>
+            <a:endParaRPr lang="en-US" dirty="0"/>
           </a:p>
         </p:txBody>
       </p:sp>
       <p:sp>
         <p:nvSpPr>
-          <p:cNvPr id="3" name="Sisu kohatäide 2"/>
+          <p:cNvPr id="3" name="Content Placeholder 2"/>
           <p:cNvSpPr>
             <a:spLocks noGrp="1"/>
           </p:cNvSpPr>
@@ -3122,14 +3139,91 @@
           <a:bodyPr/>
           <a:lstStyle/>
           <a:p>
-            <a:endParaRPr lang="et-EE"/>
+            <a:r>
+              <a:rPr lang="et-EE" dirty="0">
+                <a:hlinkClick r:id="rId2"/>
+              </a:rPr>
+              <a:t>TARA identsustõend (Tehniline kirjeldus)</a:t>
+            </a:r>
+            <a:endParaRPr lang="et-EE" dirty="0"/>
+          </a:p>
+          <a:p>
+            <a:pPr marL="457200" indent="-457200">
+              <a:buFont typeface="Arial" panose="020B0604020202020204" pitchFamily="34" charset="0"/>
+              <a:buChar char="•"/>
+            </a:pPr>
+            <a:r>
+              <a:rPr lang="et-EE" dirty="0">
+                <a:solidFill>
+                  <a:srgbClr val="FF5B4D"/>
+                </a:solidFill>
+                <a:latin typeface="Courier New" panose="02070309020205020404" pitchFamily="49" charset="0"/>
+                <a:cs typeface="Courier New" panose="02070309020205020404" pitchFamily="49" charset="0"/>
+              </a:rPr>
+              <a:t>„sub“:“EE3728815212“ </a:t>
+            </a:r>
+            <a:r>
+              <a:rPr lang="et-EE" dirty="0"/>
+              <a:t>– Eestis üks formaat ja muutumatu, </a:t>
+            </a:r>
+            <a:r>
+              <a:rPr lang="et-EE" dirty="0" err="1"/>
+              <a:t>eIDAS</a:t>
+            </a:r>
+            <a:r>
+              <a:rPr lang="et-EE" dirty="0"/>
+              <a:t> autentimisel võib muutuda! (</a:t>
+            </a:r>
+            <a:r>
+              <a:rPr lang="et-EE" dirty="0">
+                <a:hlinkClick r:id="rId3"/>
+              </a:rPr>
+              <a:t>Link</a:t>
+            </a:r>
+            <a:r>
+              <a:rPr lang="et-EE" dirty="0"/>
+              <a:t> p.2.5.1)</a:t>
+            </a:r>
+          </a:p>
+          <a:p>
+            <a:pPr marL="457200" indent="-457200">
+              <a:buFont typeface="Arial" panose="020B0604020202020204" pitchFamily="34" charset="0"/>
+              <a:buChar char="•"/>
+            </a:pPr>
+            <a:r>
+              <a:rPr lang="et-EE" dirty="0" err="1">
+                <a:solidFill>
+                  <a:srgbClr val="FF5B4D"/>
+                </a:solidFill>
+                <a:latin typeface="Courier New" panose="02070309020205020404" pitchFamily="49" charset="0"/>
+                <a:cs typeface="Courier New" panose="02070309020205020404" pitchFamily="49" charset="0"/>
+              </a:rPr>
+              <a:t>Profile_attributes</a:t>
+            </a:r>
+            <a:r>
+              <a:rPr lang="et-EE" dirty="0">
+                <a:solidFill>
+                  <a:srgbClr val="FF5B4D"/>
+                </a:solidFill>
+                <a:latin typeface="Courier New" panose="02070309020205020404" pitchFamily="49" charset="0"/>
+                <a:cs typeface="Courier New" panose="02070309020205020404" pitchFamily="49" charset="0"/>
+              </a:rPr>
+              <a:t> </a:t>
+            </a:r>
+            <a:r>
+              <a:rPr lang="et-EE" dirty="0"/>
+              <a:t>saadavad atribuudid on muutuvad ning sõltuvad kasutaja valitud autentimisviisist. Minimaalselt sisaldab ees- ja perenime.</a:t>
+            </a:r>
+          </a:p>
+          <a:p>
+            <a:endParaRPr lang="en-US" dirty="0"/>
           </a:p>
         </p:txBody>
       </p:sp>
     </p:spTree>
     <p:extLst>
       <p:ext uri="{BB962C8B-B14F-4D97-AF65-F5344CB8AC3E}">
-        <p14:creationId xmlns:p14="http://schemas.microsoft.com/office/powerpoint/2010/main" val="2880035467"/>
+        <p14:creationId xmlns:p14="http://schemas.microsoft.com/office/powerpoint/2010/main" val="1376652577"/>
       </p:ext>
     </p:extLst>
   </p:cSld>
@@ -3172,12 +3266,13 @@
           <a:lstStyle/>
           <a:p>
             <a:r>
-              <a:rPr lang="et-EE" dirty="0"/>
-              <a:t>10 Arendaja tagasiside</a:t>
-            </a:r>
-            <a:br>
-              <a:rPr lang="et-EE" dirty="0"/>
-            </a:br>
+              <a:rPr lang="fi-FI" dirty="0"/>
+              <a:t>PRAKTIKA III: </a:t>
+            </a:r>
+            <a:r>
+              <a:rPr lang="et-EE" dirty="0"/>
+              <a:t>Andmete käsitlus reaalsetel näidetel</a:t>
+            </a:r>
             <a:endParaRPr lang="et-EE" dirty="0"/>
           </a:p>
         </p:txBody>
@@ -3198,39 +3293,59 @@
           <a:lstStyle/>
           <a:p>
             <a:r>
-              <a:rPr lang="et-EE" dirty="0"/>
-              <a:t>Milliseid omadusi </a:t>
+              <a:rPr lang="et-EE" dirty="0">
+                <a:hlinkClick r:id="rId2"/>
+              </a:rPr>
+              <a:t>https://openidconnect.net/</a:t>
+            </a:r>
+            <a:r>
+              <a:rPr lang="et-EE" dirty="0"/>
+              <a:t> - </a:t>
             </a:r>
             <a:r>
               <a:rPr lang="et-EE" dirty="0" err="1"/>
-              <a:t>TARA-lt</a:t>
-            </a:r>
-            <a:r>
-              <a:rPr lang="et-EE" dirty="0"/>
-              <a:t> veel sooviksite? (diskussioon</a:t>
-            </a:r>
-            <a:r>
-              <a:rPr lang="et-EE" dirty="0" smtClean="0"/>
-              <a:t>)</a:t>
+              <a:t>sandbox</a:t>
+            </a:r>
+            <a:r>
+              <a:rPr lang="et-EE" dirty="0"/>
+              <a:t> </a:t>
+            </a:r>
+            <a:r>
+              <a:rPr lang="et-EE" dirty="0" err="1"/>
+              <a:t>OpenID</a:t>
+            </a:r>
+            <a:r>
+              <a:rPr lang="et-EE" dirty="0"/>
+              <a:t> </a:t>
+            </a:r>
+            <a:r>
+              <a:rPr lang="et-EE" dirty="0" err="1"/>
+              <a:t>Connectiga</a:t>
+            </a:r>
+            <a:r>
+              <a:rPr lang="et-EE" dirty="0"/>
+              <a:t> tutvumiseks</a:t>
             </a:r>
           </a:p>
           <a:p>
             <a:endParaRPr lang="et-EE" dirty="0"/>
           </a:p>
           <a:p>
-            <a:endParaRPr lang="et-EE" dirty="0" smtClean="0"/>
-          </a:p>
-          <a:p>
+            <a:r>
+              <a:rPr lang="et-EE" dirty="0"/>
+              <a:t>Näide autentimispäringu ja identsustõendi küsimiseks JAVA testi baasil.</a:t>
+            </a:r>
+          </a:p>
+          <a:p>
+            <a:r>
+              <a:rPr lang="et-EE" dirty="0">
+                <a:hlinkClick r:id="rId3"/>
+              </a:rPr>
+              <a:t>https://github.com/naare/TaraDemoTest</a:t>
+            </a:r>
             <a:endParaRPr lang="et-EE" dirty="0"/>
           </a:p>
           <a:p>
-            <a:endParaRPr lang="et-EE" dirty="0" smtClean="0"/>
-          </a:p>
-          <a:p>
-            <a:r>
-              <a:rPr lang="et-EE" dirty="0" smtClean="0"/>
-              <a:t>Aitäh!</a:t>
-            </a:r>
             <a:endParaRPr lang="et-EE" dirty="0"/>
           </a:p>
         </p:txBody>
@@ -3238,13 +3353,728 @@
     </p:spTree>
     <p:extLst>
       <p:ext uri="{BB962C8B-B14F-4D97-AF65-F5344CB8AC3E}">
-        <p14:creationId xmlns:p14="http://schemas.microsoft.com/office/powerpoint/2010/main" val="250878944"/>
+        <p14:creationId xmlns:p14="http://schemas.microsoft.com/office/powerpoint/2010/main" val="2206001851"/>
       </p:ext>
     </p:extLst>
   </p:cSld>
   <p:clrMapOvr>
     <a:masterClrMapping/>
   </p:clrMapOvr>
+</p:sld>
+</file>
+
+<file path=ppt/slides/slide15.xml><?xml version="1.0" encoding="utf-8"?>
+<p:sld xmlns:a="http://schemas.openxmlformats.org/drawingml/2006/main" xmlns:r="http://schemas.openxmlformats.org/officeDocument/2006/relationships" xmlns:p="http://schemas.openxmlformats.org/presentationml/2006/main">
+  <p:cSld>
+    <p:spTree>
+      <p:nvGrpSpPr>
+        <p:cNvPr id="1" name=""/>
+        <p:cNvGrpSpPr/>
+        <p:nvPr/>
+      </p:nvGrpSpPr>
+      <p:grpSpPr>
+        <a:xfrm>
+          <a:off x="0" y="0"/>
+          <a:ext cx="0" cy="0"/>
+          <a:chOff x="0" y="0"/>
+          <a:chExt cx="0" cy="0"/>
+        </a:xfrm>
+      </p:grpSpPr>
+      <p:sp>
+        <p:nvSpPr>
+          <p:cNvPr id="2" name="Pealkiri 1"/>
+          <p:cNvSpPr>
+            <a:spLocks noGrp="1"/>
+          </p:cNvSpPr>
+          <p:nvPr>
+            <p:ph type="title"/>
+          </p:nvPr>
+        </p:nvSpPr>
+        <p:spPr/>
+        <p:txBody>
+          <a:bodyPr/>
+          <a:lstStyle/>
+          <a:p>
+            <a:r>
+              <a:rPr lang="fi-FI" dirty="0"/>
+              <a:t>7 TARA </a:t>
+            </a:r>
+            <a:r>
+              <a:rPr lang="fi-FI" dirty="0" err="1"/>
+              <a:t>liidese</a:t>
+            </a:r>
+            <a:r>
+              <a:rPr lang="fi-FI" dirty="0"/>
+              <a:t> </a:t>
+            </a:r>
+            <a:r>
+              <a:rPr lang="fi-FI" dirty="0" err="1"/>
+              <a:t>turvalisuse</a:t>
+            </a:r>
+            <a:r>
+              <a:rPr lang="fi-FI" dirty="0"/>
+              <a:t> </a:t>
+            </a:r>
+            <a:r>
+              <a:rPr lang="fi-FI" dirty="0" err="1"/>
+              <a:t>tagamine</a:t>
+            </a:r>
+            <a:r>
+              <a:rPr lang="fi-FI" dirty="0"/>
+              <a:t/>
+            </a:r>
+            <a:br>
+              <a:rPr lang="fi-FI" dirty="0"/>
+            </a:br>
+            <a:endParaRPr lang="et-EE" dirty="0"/>
+          </a:p>
+        </p:txBody>
+      </p:sp>
+      <p:sp>
+        <p:nvSpPr>
+          <p:cNvPr id="5" name="Sisu kohatäide 4"/>
+          <p:cNvSpPr>
+            <a:spLocks noGrp="1"/>
+          </p:cNvSpPr>
+          <p:nvPr>
+            <p:ph idx="1"/>
+          </p:nvPr>
+        </p:nvSpPr>
+        <p:spPr/>
+        <p:txBody>
+          <a:bodyPr/>
+          <a:lstStyle/>
+          <a:p>
+            <a:pPr marL="457200" indent="-457200">
+              <a:buFont typeface="Arial" panose="020B0604020202020204" pitchFamily="34" charset="0"/>
+              <a:buChar char="•"/>
+            </a:pPr>
+            <a:r>
+              <a:rPr lang="et-EE" dirty="0" err="1" smtClean="0"/>
+              <a:t>OpenID</a:t>
+            </a:r>
+            <a:r>
+              <a:rPr lang="et-EE" dirty="0" smtClean="0"/>
+              <a:t> </a:t>
+            </a:r>
+            <a:r>
+              <a:rPr lang="et-EE" dirty="0" err="1"/>
+              <a:t>Connect</a:t>
+            </a:r>
+            <a:r>
+              <a:rPr lang="et-EE" dirty="0"/>
+              <a:t> turvamehhanismid</a:t>
+            </a:r>
+          </a:p>
+          <a:p>
+            <a:pPr marL="457200" indent="-457200">
+              <a:buFont typeface="Arial" panose="020B0604020202020204" pitchFamily="34" charset="0"/>
+              <a:buChar char="•"/>
+            </a:pPr>
+            <a:r>
+              <a:rPr lang="et-EE" dirty="0" smtClean="0"/>
+              <a:t>Salasõna </a:t>
+            </a:r>
+            <a:r>
+              <a:rPr lang="et-EE" dirty="0"/>
+              <a:t>käitlemine</a:t>
+            </a:r>
+          </a:p>
+          <a:p>
+            <a:pPr marL="457200" indent="-457200">
+              <a:buFont typeface="Arial" panose="020B0604020202020204" pitchFamily="34" charset="0"/>
+              <a:buChar char="•"/>
+            </a:pPr>
+            <a:r>
+              <a:rPr lang="et-EE" dirty="0" smtClean="0">
+                <a:hlinkClick r:id="rId2"/>
+              </a:rPr>
+              <a:t>Võltspäringu </a:t>
+            </a:r>
+            <a:r>
+              <a:rPr lang="et-EE" dirty="0">
+                <a:hlinkClick r:id="rId2"/>
+              </a:rPr>
+              <a:t>vastane kaitse</a:t>
+            </a:r>
+            <a:r>
+              <a:rPr lang="et-EE" dirty="0"/>
+              <a:t> (</a:t>
+            </a:r>
+            <a:r>
+              <a:rPr lang="et-EE" sz="2800" dirty="0" err="1">
+                <a:solidFill>
+                  <a:srgbClr val="FF5B4D"/>
+                </a:solidFill>
+                <a:latin typeface="Courier New" panose="02070309020205020404" pitchFamily="49" charset="0"/>
+                <a:cs typeface="Courier New" panose="02070309020205020404" pitchFamily="49" charset="0"/>
+              </a:rPr>
+              <a:t>state</a:t>
+            </a:r>
+            <a:r>
+              <a:rPr lang="et-EE" dirty="0" smtClean="0"/>
+              <a:t>)</a:t>
+            </a:r>
+            <a:endParaRPr lang="et-EE" dirty="0"/>
+          </a:p>
+          <a:p>
+            <a:pPr marL="457200" indent="-457200">
+              <a:buFont typeface="Arial" panose="020B0604020202020204" pitchFamily="34" charset="0"/>
+              <a:buChar char="•"/>
+            </a:pPr>
+            <a:r>
+              <a:rPr lang="et-EE" dirty="0" smtClean="0">
+                <a:hlinkClick r:id="rId3"/>
+              </a:rPr>
+              <a:t>Identsustõendi </a:t>
+            </a:r>
+            <a:r>
+              <a:rPr lang="et-EE" dirty="0">
+                <a:hlinkClick r:id="rId3"/>
+              </a:rPr>
+              <a:t>kontrollimine</a:t>
+            </a:r>
+            <a:endParaRPr lang="et-EE" dirty="0"/>
+          </a:p>
+          <a:p>
+            <a:pPr marL="457200" lvl="1" indent="-457200">
+              <a:buFont typeface="Arial" panose="020B0604020202020204" pitchFamily="34" charset="0"/>
+              <a:buChar char="•"/>
+            </a:pPr>
+            <a:r>
+              <a:rPr lang="et-EE" dirty="0" smtClean="0"/>
+              <a:t>allkiri</a:t>
+            </a:r>
+            <a:r>
+              <a:rPr lang="et-EE" dirty="0"/>
+              <a:t>, tõendi väljaandja, adressaat, ajaline kehtivus</a:t>
+            </a:r>
+          </a:p>
+          <a:p>
+            <a:endParaRPr lang="et-EE" dirty="0"/>
+          </a:p>
+        </p:txBody>
+      </p:sp>
+    </p:spTree>
+    <p:extLst>
+      <p:ext uri="{BB962C8B-B14F-4D97-AF65-F5344CB8AC3E}">
+        <p14:creationId xmlns:p14="http://schemas.microsoft.com/office/powerpoint/2010/main" val="100104866"/>
+      </p:ext>
+    </p:extLst>
+  </p:cSld>
+  <p:clrMapOvr>
+    <a:masterClrMapping/>
+  </p:clrMapOvr>
+</p:sld>
+</file>
+
+<file path=ppt/slides/slide16.xml><?xml version="1.0" encoding="utf-8"?>
+<p:sld xmlns:a="http://schemas.openxmlformats.org/drawingml/2006/main" xmlns:r="http://schemas.openxmlformats.org/officeDocument/2006/relationships" xmlns:p="http://schemas.openxmlformats.org/presentationml/2006/main">
+  <p:cSld>
+    <p:spTree>
+      <p:nvGrpSpPr>
+        <p:cNvPr id="1" name=""/>
+        <p:cNvGrpSpPr/>
+        <p:nvPr/>
+      </p:nvGrpSpPr>
+      <p:grpSpPr>
+        <a:xfrm>
+          <a:off x="0" y="0"/>
+          <a:ext cx="0" cy="0"/>
+          <a:chOff x="0" y="0"/>
+          <a:chExt cx="0" cy="0"/>
+        </a:xfrm>
+      </p:grpSpPr>
+      <p:sp>
+        <p:nvSpPr>
+          <p:cNvPr id="2" name="Pealkiri 1"/>
+          <p:cNvSpPr>
+            <a:spLocks noGrp="1"/>
+          </p:cNvSpPr>
+          <p:nvPr>
+            <p:ph type="title"/>
+          </p:nvPr>
+        </p:nvSpPr>
+        <p:spPr/>
+        <p:txBody>
+          <a:bodyPr/>
+          <a:lstStyle/>
+          <a:p>
+            <a:r>
+              <a:rPr lang="et-EE" dirty="0"/>
+              <a:t>8 Liidese programmeerimine</a:t>
+            </a:r>
+            <a:br>
+              <a:rPr lang="et-EE" dirty="0"/>
+            </a:br>
+            <a:r>
+              <a:rPr lang="et-EE" dirty="0" smtClean="0"/>
+              <a:t> </a:t>
+            </a:r>
+            <a:r>
+              <a:rPr lang="et-EE" dirty="0"/>
+              <a:t>Hinnangud</a:t>
+            </a:r>
+            <a:br>
+              <a:rPr lang="et-EE" dirty="0"/>
+            </a:br>
+            <a:endParaRPr lang="et-EE" dirty="0"/>
+          </a:p>
+        </p:txBody>
+      </p:sp>
+      <p:sp>
+        <p:nvSpPr>
+          <p:cNvPr id="3" name="Sisu kohatäide 2"/>
+          <p:cNvSpPr>
+            <a:spLocks noGrp="1"/>
+          </p:cNvSpPr>
+          <p:nvPr>
+            <p:ph idx="1"/>
+          </p:nvPr>
+        </p:nvSpPr>
+        <p:spPr/>
+        <p:txBody>
+          <a:bodyPr/>
+          <a:lstStyle/>
+          <a:p>
+            <a:pPr marL="457200" indent="-457200">
+              <a:buFont typeface="Arial" panose="020B0604020202020204" pitchFamily="34" charset="0"/>
+              <a:buChar char="•"/>
+            </a:pPr>
+            <a:r>
+              <a:rPr lang="et-EE" dirty="0"/>
+              <a:t>Vajab TARA spetsiifika tundmist</a:t>
+            </a:r>
+          </a:p>
+          <a:p>
+            <a:pPr marL="457200" indent="-457200">
+              <a:buFont typeface="Arial" panose="020B0604020202020204" pitchFamily="34" charset="0"/>
+              <a:buChar char="•"/>
+            </a:pPr>
+            <a:r>
+              <a:rPr lang="et-EE" dirty="0"/>
+              <a:t>Vajab teekidega tutvumist</a:t>
+            </a:r>
+          </a:p>
+          <a:p>
+            <a:pPr marL="457200" indent="-457200">
+              <a:buFont typeface="Arial" panose="020B0604020202020204" pitchFamily="34" charset="0"/>
+              <a:buChar char="•"/>
+            </a:pPr>
+            <a:r>
+              <a:rPr lang="et-EE" dirty="0"/>
+              <a:t>Peaks olema teostatav ühe sprindiga (2 nädalat)</a:t>
+            </a:r>
+          </a:p>
+          <a:p>
+            <a:endParaRPr lang="et-EE" dirty="0"/>
+          </a:p>
+        </p:txBody>
+      </p:sp>
+    </p:spTree>
+    <p:extLst>
+      <p:ext uri="{BB962C8B-B14F-4D97-AF65-F5344CB8AC3E}">
+        <p14:creationId xmlns:p14="http://schemas.microsoft.com/office/powerpoint/2010/main" val="1970594490"/>
+      </p:ext>
+    </p:extLst>
+  </p:cSld>
+  <p:clrMapOvr>
+    <a:masterClrMapping/>
+  </p:clrMapOvr>
+  <p:timing>
+    <p:tnLst>
+      <p:par>
+        <p:cTn xmlns:p14="http://schemas.microsoft.com/office/powerpoint/2010/main" id="1" dur="indefinite" restart="never" nodeType="tmRoot"/>
+      </p:par>
+    </p:tnLst>
+  </p:timing>
+</p:sld>
+</file>
+
+<file path=ppt/slides/slide17.xml><?xml version="1.0" encoding="utf-8"?>
+<p:sld xmlns:a="http://schemas.openxmlformats.org/drawingml/2006/main" xmlns:r="http://schemas.openxmlformats.org/officeDocument/2006/relationships" xmlns:p="http://schemas.openxmlformats.org/presentationml/2006/main">
+  <p:cSld>
+    <p:spTree>
+      <p:nvGrpSpPr>
+        <p:cNvPr id="1" name=""/>
+        <p:cNvGrpSpPr/>
+        <p:nvPr/>
+      </p:nvGrpSpPr>
+      <p:grpSpPr>
+        <a:xfrm>
+          <a:off x="0" y="0"/>
+          <a:ext cx="0" cy="0"/>
+          <a:chOff x="0" y="0"/>
+          <a:chExt cx="0" cy="0"/>
+        </a:xfrm>
+      </p:grpSpPr>
+      <p:sp>
+        <p:nvSpPr>
+          <p:cNvPr id="2" name="Title 1"/>
+          <p:cNvSpPr>
+            <a:spLocks noGrp="1"/>
+          </p:cNvSpPr>
+          <p:nvPr>
+            <p:ph type="title"/>
+          </p:nvPr>
+        </p:nvSpPr>
+        <p:spPr/>
+        <p:txBody>
+          <a:bodyPr/>
+          <a:lstStyle/>
+          <a:p>
+            <a:r>
+              <a:rPr lang="et-EE" dirty="0"/>
+              <a:t>8 Liidese programmeerimine</a:t>
+            </a:r>
+            <a:br>
+              <a:rPr lang="et-EE" dirty="0"/>
+            </a:br>
+            <a:r>
+              <a:rPr lang="et-EE" dirty="0"/>
+              <a:t>Teegid</a:t>
+            </a:r>
+            <a:br>
+              <a:rPr lang="et-EE" dirty="0"/>
+            </a:br>
+            <a:endParaRPr lang="en-US" dirty="0"/>
+          </a:p>
+        </p:txBody>
+      </p:sp>
+      <p:sp>
+        <p:nvSpPr>
+          <p:cNvPr id="3" name="Content Placeholder 2"/>
+          <p:cNvSpPr>
+            <a:spLocks noGrp="1"/>
+          </p:cNvSpPr>
+          <p:nvPr>
+            <p:ph idx="1"/>
+          </p:nvPr>
+        </p:nvSpPr>
+        <p:spPr/>
+        <p:txBody>
+          <a:bodyPr/>
+          <a:lstStyle/>
+          <a:p>
+            <a:r>
+              <a:rPr lang="et-EE" dirty="0">
+                <a:hlinkClick r:id="rId2"/>
+              </a:rPr>
+              <a:t>http://openid.net/connect/</a:t>
+            </a:r>
+            <a:r>
+              <a:rPr lang="et-EE" dirty="0"/>
+              <a:t> - spetsifikatsioonid ja juhendid</a:t>
+            </a:r>
+          </a:p>
+          <a:p>
+            <a:r>
+              <a:rPr lang="et-EE" dirty="0">
+                <a:hlinkClick r:id="rId3"/>
+              </a:rPr>
+              <a:t>http://openid.net/developers/libraries/</a:t>
+            </a:r>
+            <a:r>
+              <a:rPr lang="et-EE" dirty="0"/>
+              <a:t> - </a:t>
+            </a:r>
+            <a:r>
+              <a:rPr lang="et-EE" dirty="0" err="1"/>
+              <a:t>OpenId</a:t>
+            </a:r>
+            <a:r>
+              <a:rPr lang="et-EE" dirty="0"/>
+              <a:t> </a:t>
+            </a:r>
+            <a:r>
+              <a:rPr lang="et-EE" dirty="0" err="1"/>
+              <a:t>Connect</a:t>
+            </a:r>
+            <a:r>
+              <a:rPr lang="et-EE" dirty="0"/>
+              <a:t> teegid</a:t>
+            </a:r>
+          </a:p>
+          <a:p>
+            <a:r>
+              <a:rPr lang="et-EE" dirty="0">
+                <a:hlinkClick r:id="rId4"/>
+              </a:rPr>
+              <a:t>https://jwt.io/</a:t>
+            </a:r>
+            <a:r>
+              <a:rPr lang="et-EE" dirty="0"/>
+              <a:t> - JSON </a:t>
+            </a:r>
+            <a:r>
+              <a:rPr lang="et-EE" dirty="0" err="1"/>
+              <a:t>Web</a:t>
+            </a:r>
+            <a:r>
+              <a:rPr lang="et-EE" dirty="0"/>
+              <a:t> </a:t>
+            </a:r>
+            <a:r>
+              <a:rPr lang="et-EE" dirty="0" err="1"/>
+              <a:t>Token</a:t>
+            </a:r>
+            <a:r>
+              <a:rPr lang="et-EE" dirty="0"/>
+              <a:t> teegid</a:t>
+            </a:r>
+          </a:p>
+          <a:p>
+            <a:endParaRPr lang="en-US" dirty="0"/>
+          </a:p>
+        </p:txBody>
+      </p:sp>
+    </p:spTree>
+    <p:extLst>
+      <p:ext uri="{BB962C8B-B14F-4D97-AF65-F5344CB8AC3E}">
+        <p14:creationId xmlns:p14="http://schemas.microsoft.com/office/powerpoint/2010/main" val="3531895245"/>
+      </p:ext>
+    </p:extLst>
+  </p:cSld>
+  <p:clrMapOvr>
+    <a:masterClrMapping/>
+  </p:clrMapOvr>
+</p:sld>
+</file>
+
+<file path=ppt/slides/slide18.xml><?xml version="1.0" encoding="utf-8"?>
+<p:sld xmlns:a="http://schemas.openxmlformats.org/drawingml/2006/main" xmlns:r="http://schemas.openxmlformats.org/officeDocument/2006/relationships" xmlns:p="http://schemas.openxmlformats.org/presentationml/2006/main">
+  <p:cSld>
+    <p:spTree>
+      <p:nvGrpSpPr>
+        <p:cNvPr id="1" name=""/>
+        <p:cNvGrpSpPr/>
+        <p:nvPr/>
+      </p:nvGrpSpPr>
+      <p:grpSpPr>
+        <a:xfrm>
+          <a:off x="0" y="0"/>
+          <a:ext cx="0" cy="0"/>
+          <a:chOff x="0" y="0"/>
+          <a:chExt cx="0" cy="0"/>
+        </a:xfrm>
+      </p:grpSpPr>
+      <p:sp>
+        <p:nvSpPr>
+          <p:cNvPr id="2" name="Title 1"/>
+          <p:cNvSpPr>
+            <a:spLocks noGrp="1"/>
+          </p:cNvSpPr>
+          <p:nvPr>
+            <p:ph type="title"/>
+          </p:nvPr>
+        </p:nvSpPr>
+        <p:spPr/>
+        <p:txBody>
+          <a:bodyPr/>
+          <a:lstStyle/>
+          <a:p>
+            <a:r>
+              <a:rPr lang="et-EE" dirty="0"/>
+              <a:t>8 Liidese programmeerimine</a:t>
+            </a:r>
+            <a:br>
+              <a:rPr lang="et-EE" dirty="0"/>
+            </a:br>
+            <a:r>
+              <a:rPr lang="et-EE" dirty="0"/>
+              <a:t>Näidised</a:t>
+            </a:r>
+            <a:endParaRPr lang="en-US" dirty="0"/>
+          </a:p>
+        </p:txBody>
+      </p:sp>
+      <p:sp>
+        <p:nvSpPr>
+          <p:cNvPr id="3" name="Content Placeholder 2"/>
+          <p:cNvSpPr>
+            <a:spLocks noGrp="1"/>
+          </p:cNvSpPr>
+          <p:nvPr>
+            <p:ph idx="1"/>
+          </p:nvPr>
+        </p:nvSpPr>
+        <p:spPr/>
+        <p:txBody>
+          <a:bodyPr/>
+          <a:lstStyle/>
+          <a:p>
+            <a:r>
+              <a:rPr lang="et-EE" dirty="0">
+                <a:hlinkClick r:id="rId2"/>
+              </a:rPr>
+              <a:t>https://e-gov.github.io/TARA-Doku/Naited</a:t>
+            </a:r>
+            <a:endParaRPr lang="et-EE" dirty="0"/>
+          </a:p>
+          <a:p>
+            <a:endParaRPr lang="en-US" dirty="0"/>
+          </a:p>
+        </p:txBody>
+      </p:sp>
+    </p:spTree>
+    <p:extLst>
+      <p:ext uri="{BB962C8B-B14F-4D97-AF65-F5344CB8AC3E}">
+        <p14:creationId xmlns:p14="http://schemas.microsoft.com/office/powerpoint/2010/main" val="2332017171"/>
+      </p:ext>
+    </p:extLst>
+  </p:cSld>
+  <p:clrMapOvr>
+    <a:masterClrMapping/>
+  </p:clrMapOvr>
+</p:sld>
+</file>
+
+<file path=ppt/slides/slide19.xml><?xml version="1.0" encoding="utf-8"?>
+<p:sld xmlns:a="http://schemas.openxmlformats.org/drawingml/2006/main" xmlns:r="http://schemas.openxmlformats.org/officeDocument/2006/relationships" xmlns:p="http://schemas.openxmlformats.org/presentationml/2006/main">
+  <p:cSld>
+    <p:spTree>
+      <p:nvGrpSpPr>
+        <p:cNvPr id="1" name=""/>
+        <p:cNvGrpSpPr/>
+        <p:nvPr/>
+      </p:nvGrpSpPr>
+      <p:grpSpPr>
+        <a:xfrm>
+          <a:off x="0" y="0"/>
+          <a:ext cx="0" cy="0"/>
+          <a:chOff x="0" y="0"/>
+          <a:chExt cx="0" cy="0"/>
+        </a:xfrm>
+      </p:grpSpPr>
+      <p:sp>
+        <p:nvSpPr>
+          <p:cNvPr id="2" name="Pealkiri 1"/>
+          <p:cNvSpPr>
+            <a:spLocks noGrp="1"/>
+          </p:cNvSpPr>
+          <p:nvPr>
+            <p:ph type="title"/>
+          </p:nvPr>
+        </p:nvSpPr>
+        <p:spPr/>
+        <p:txBody>
+          <a:bodyPr/>
+          <a:lstStyle/>
+          <a:p>
+            <a:r>
+              <a:rPr lang="et-EE" dirty="0"/>
+              <a:t>9 Liidese testimine</a:t>
+            </a:r>
+            <a:br>
+              <a:rPr lang="et-EE" dirty="0"/>
+            </a:br>
+            <a:endParaRPr lang="et-EE" dirty="0"/>
+          </a:p>
+        </p:txBody>
+      </p:sp>
+      <p:sp>
+        <p:nvSpPr>
+          <p:cNvPr id="3" name="Sisu kohatäide 2"/>
+          <p:cNvSpPr>
+            <a:spLocks noGrp="1"/>
+          </p:cNvSpPr>
+          <p:nvPr>
+            <p:ph idx="1"/>
+          </p:nvPr>
+        </p:nvSpPr>
+        <p:spPr/>
+        <p:txBody>
+          <a:bodyPr/>
+          <a:lstStyle/>
+          <a:p>
+            <a:pPr marL="457200" indent="-457200">
+              <a:buFont typeface="Arial"/>
+              <a:buChar char="•"/>
+            </a:pPr>
+            <a:r>
+              <a:rPr lang="et-EE" dirty="0" smtClean="0"/>
+              <a:t>Täis</a:t>
+            </a:r>
+            <a:r>
+              <a:rPr lang="et-EE" i="1" dirty="0" smtClean="0"/>
+              <a:t> </a:t>
+            </a:r>
+            <a:r>
+              <a:rPr lang="et-EE" i="1" dirty="0" err="1" smtClean="0"/>
+              <a:t>flow</a:t>
+            </a:r>
+            <a:r>
+              <a:rPr lang="et-EE" dirty="0" smtClean="0"/>
+              <a:t> testimine</a:t>
+            </a:r>
+          </a:p>
+          <a:p>
+            <a:pPr marL="457200" indent="-457200">
+              <a:buFont typeface="Arial"/>
+              <a:buChar char="•"/>
+            </a:pPr>
+            <a:r>
+              <a:rPr lang="et-EE" dirty="0" smtClean="0"/>
+              <a:t>Kontrollide teostus</a:t>
+            </a:r>
+          </a:p>
+          <a:p>
+            <a:pPr marL="457200" indent="-457200">
+              <a:buFont typeface="Arial"/>
+              <a:buChar char="•"/>
+            </a:pPr>
+            <a:r>
+              <a:rPr lang="et-EE" dirty="0" smtClean="0"/>
+              <a:t>Veakäsitluse kontrollimine</a:t>
+            </a:r>
+            <a:endParaRPr lang="et-EE" dirty="0" smtClean="0"/>
+          </a:p>
+          <a:p>
+            <a:pPr marL="457200" indent="-457200">
+              <a:buFont typeface="Arial"/>
+              <a:buChar char="•"/>
+            </a:pPr>
+            <a:r>
+              <a:rPr lang="et-EE" i="1" dirty="0" err="1" smtClean="0"/>
+              <a:t>Debugimine</a:t>
+            </a:r>
+            <a:r>
+              <a:rPr lang="et-EE" dirty="0" smtClean="0"/>
+              <a:t> </a:t>
+            </a:r>
+            <a:r>
+              <a:rPr lang="et-EE" dirty="0" err="1" smtClean="0"/>
+              <a:t>curl</a:t>
+            </a:r>
+            <a:r>
+              <a:rPr lang="et-EE" dirty="0" err="1" smtClean="0"/>
+              <a:t>-</a:t>
+            </a:r>
+            <a:r>
+              <a:rPr lang="et-EE" dirty="0" err="1" smtClean="0"/>
+              <a:t>iga</a:t>
+            </a:r>
+            <a:endParaRPr lang="et-EE" dirty="0" smtClean="0"/>
+          </a:p>
+        </p:txBody>
+      </p:sp>
+    </p:spTree>
+    <p:extLst>
+      <p:ext uri="{BB962C8B-B14F-4D97-AF65-F5344CB8AC3E}">
+        <p14:creationId xmlns:p14="http://schemas.microsoft.com/office/powerpoint/2010/main" val="2880035467"/>
+      </p:ext>
+    </p:extLst>
+  </p:cSld>
+  <p:clrMapOvr>
+    <a:masterClrMapping/>
+  </p:clrMapOvr>
+  <p:timing>
+    <p:tnLst>
+      <p:par>
+        <p:cTn xmlns:p14="http://schemas.microsoft.com/office/powerpoint/2010/main" id="1" dur="indefinite" restart="never" nodeType="tmRoot"/>
+      </p:par>
+    </p:tnLst>
+  </p:timing>
 </p:sld>
 </file>
 
@@ -3359,7 +4189,263 @@
   <p:timing>
     <p:tnLst>
       <p:par>
-        <p:cTn id="1" dur="indefinite" restart="never" nodeType="tmRoot"/>
+        <p:cTn xmlns:p14="http://schemas.microsoft.com/office/powerpoint/2010/main" id="1" dur="indefinite" restart="never" nodeType="tmRoot"/>
+      </p:par>
+    </p:tnLst>
+  </p:timing>
+</p:sld>
+</file>
+
+<file path=ppt/slides/slide20.xml><?xml version="1.0" encoding="utf-8"?>
+<p:sld xmlns:a="http://schemas.openxmlformats.org/drawingml/2006/main" xmlns:r="http://schemas.openxmlformats.org/officeDocument/2006/relationships" xmlns:p="http://schemas.openxmlformats.org/presentationml/2006/main">
+  <p:cSld>
+    <p:spTree>
+      <p:nvGrpSpPr>
+        <p:cNvPr id="1" name=""/>
+        <p:cNvGrpSpPr/>
+        <p:nvPr/>
+      </p:nvGrpSpPr>
+      <p:grpSpPr>
+        <a:xfrm>
+          <a:off x="0" y="0"/>
+          <a:ext cx="0" cy="0"/>
+          <a:chOff x="0" y="0"/>
+          <a:chExt cx="0" cy="0"/>
+        </a:xfrm>
+      </p:grpSpPr>
+      <p:sp>
+        <p:nvSpPr>
+          <p:cNvPr id="2" name="Title 1"/>
+          <p:cNvSpPr>
+            <a:spLocks noGrp="1"/>
+          </p:cNvSpPr>
+          <p:nvPr>
+            <p:ph type="title"/>
+          </p:nvPr>
+        </p:nvSpPr>
+        <p:spPr/>
+        <p:txBody>
+          <a:bodyPr/>
+          <a:lstStyle/>
+          <a:p>
+            <a:r>
+              <a:rPr lang="et-EE" dirty="0"/>
+              <a:t>9 Liidese testimine</a:t>
+            </a:r>
+            <a:br>
+              <a:rPr lang="et-EE" dirty="0"/>
+            </a:br>
+            <a:r>
+              <a:rPr lang="et-EE" dirty="0"/>
+              <a:t>Autentimisvahendid testimiseks</a:t>
+            </a:r>
+            <a:endParaRPr lang="en-US" dirty="0"/>
+          </a:p>
+        </p:txBody>
+      </p:sp>
+      <p:sp>
+        <p:nvSpPr>
+          <p:cNvPr id="3" name="Content Placeholder 2"/>
+          <p:cNvSpPr>
+            <a:spLocks noGrp="1"/>
+          </p:cNvSpPr>
+          <p:nvPr>
+            <p:ph idx="1"/>
+          </p:nvPr>
+        </p:nvSpPr>
+        <p:spPr/>
+        <p:txBody>
+          <a:bodyPr/>
+          <a:lstStyle/>
+          <a:p>
+            <a:r>
+              <a:rPr lang="et-EE" dirty="0">
+                <a:hlinkClick r:id="rId2"/>
+              </a:rPr>
+              <a:t>https://github.com/SK-EID/dds-documentation/wiki/Test-number-for-automated-testing-in-DEMO</a:t>
+            </a:r>
+            <a:r>
+              <a:rPr lang="et-EE" dirty="0"/>
+              <a:t> - Test </a:t>
+            </a:r>
+            <a:r>
+              <a:rPr lang="et-EE" dirty="0" err="1"/>
+              <a:t>mID</a:t>
+            </a:r>
+            <a:r>
+              <a:rPr lang="et-EE" dirty="0"/>
+              <a:t> numbrid</a:t>
+            </a:r>
+          </a:p>
+          <a:p>
+            <a:r>
+              <a:rPr lang="et-EE" dirty="0">
+                <a:hlinkClick r:id="rId3"/>
+              </a:rPr>
+              <a:t>https://demo.sk.ee/MIDCertsReg/</a:t>
+            </a:r>
+            <a:r>
+              <a:rPr lang="et-EE" dirty="0"/>
+              <a:t> - </a:t>
+            </a:r>
+            <a:r>
+              <a:rPr lang="et-EE" dirty="0" err="1"/>
+              <a:t>mID</a:t>
+            </a:r>
+            <a:r>
+              <a:rPr lang="et-EE" dirty="0"/>
+              <a:t> numbri registreerimine test teenusesse</a:t>
+            </a:r>
+          </a:p>
+          <a:p>
+            <a:r>
+              <a:rPr lang="et-EE" dirty="0">
+                <a:hlinkClick r:id="rId4"/>
+              </a:rPr>
+              <a:t>https://demo.sk.ee/upload_cert/</a:t>
+            </a:r>
+            <a:r>
+              <a:rPr lang="et-EE" dirty="0"/>
+              <a:t> - ID kaardi registreerimine test OCSP teenusesse</a:t>
+            </a:r>
+          </a:p>
+          <a:p>
+            <a:endParaRPr lang="et-EE" dirty="0"/>
+          </a:p>
+          <a:p>
+            <a:endParaRPr lang="et-EE" dirty="0"/>
+          </a:p>
+          <a:p>
+            <a:endParaRPr lang="et-EE" dirty="0"/>
+          </a:p>
+          <a:p>
+            <a:endParaRPr lang="en-US" dirty="0"/>
+          </a:p>
+        </p:txBody>
+      </p:sp>
+    </p:spTree>
+    <p:extLst>
+      <p:ext uri="{BB962C8B-B14F-4D97-AF65-F5344CB8AC3E}">
+        <p14:creationId xmlns:p14="http://schemas.microsoft.com/office/powerpoint/2010/main" val="1559915040"/>
+      </p:ext>
+    </p:extLst>
+  </p:cSld>
+  <p:clrMapOvr>
+    <a:masterClrMapping/>
+  </p:clrMapOvr>
+</p:sld>
+</file>
+
+<file path=ppt/slides/slide21.xml><?xml version="1.0" encoding="utf-8"?>
+<p:sld xmlns:a="http://schemas.openxmlformats.org/drawingml/2006/main" xmlns:r="http://schemas.openxmlformats.org/officeDocument/2006/relationships" xmlns:p="http://schemas.openxmlformats.org/presentationml/2006/main">
+  <p:cSld>
+    <p:spTree>
+      <p:nvGrpSpPr>
+        <p:cNvPr id="1" name=""/>
+        <p:cNvGrpSpPr/>
+        <p:nvPr/>
+      </p:nvGrpSpPr>
+      <p:grpSpPr>
+        <a:xfrm>
+          <a:off x="0" y="0"/>
+          <a:ext cx="0" cy="0"/>
+          <a:chOff x="0" y="0"/>
+          <a:chExt cx="0" cy="0"/>
+        </a:xfrm>
+      </p:grpSpPr>
+      <p:sp>
+        <p:nvSpPr>
+          <p:cNvPr id="2" name="Pealkiri 1"/>
+          <p:cNvSpPr>
+            <a:spLocks noGrp="1"/>
+          </p:cNvSpPr>
+          <p:nvPr>
+            <p:ph type="title"/>
+          </p:nvPr>
+        </p:nvSpPr>
+        <p:spPr/>
+        <p:txBody>
+          <a:bodyPr/>
+          <a:lstStyle/>
+          <a:p>
+            <a:r>
+              <a:rPr lang="et-EE" dirty="0"/>
+              <a:t>10 Arendaja tagasiside</a:t>
+            </a:r>
+            <a:br>
+              <a:rPr lang="et-EE" dirty="0"/>
+            </a:br>
+            <a:endParaRPr lang="et-EE" dirty="0"/>
+          </a:p>
+        </p:txBody>
+      </p:sp>
+      <p:sp>
+        <p:nvSpPr>
+          <p:cNvPr id="3" name="Sisu kohatäide 2"/>
+          <p:cNvSpPr>
+            <a:spLocks noGrp="1"/>
+          </p:cNvSpPr>
+          <p:nvPr>
+            <p:ph idx="1"/>
+          </p:nvPr>
+        </p:nvSpPr>
+        <p:spPr/>
+        <p:txBody>
+          <a:bodyPr/>
+          <a:lstStyle/>
+          <a:p>
+            <a:r>
+              <a:rPr lang="et-EE" dirty="0"/>
+              <a:t>Milliseid omadusi </a:t>
+            </a:r>
+            <a:r>
+              <a:rPr lang="et-EE" dirty="0" err="1"/>
+              <a:t>TARA-lt</a:t>
+            </a:r>
+            <a:r>
+              <a:rPr lang="et-EE" dirty="0"/>
+              <a:t> veel sooviksite? (diskussioon</a:t>
+            </a:r>
+            <a:r>
+              <a:rPr lang="et-EE" dirty="0" smtClean="0"/>
+              <a:t>)</a:t>
+            </a:r>
+          </a:p>
+          <a:p>
+            <a:endParaRPr lang="et-EE" dirty="0"/>
+          </a:p>
+          <a:p>
+            <a:endParaRPr lang="et-EE" dirty="0" smtClean="0"/>
+          </a:p>
+          <a:p>
+            <a:endParaRPr lang="et-EE" dirty="0"/>
+          </a:p>
+          <a:p>
+            <a:endParaRPr lang="et-EE" dirty="0" smtClean="0"/>
+          </a:p>
+          <a:p>
+            <a:r>
+              <a:rPr lang="et-EE" dirty="0" smtClean="0"/>
+              <a:t>Aitäh!</a:t>
+            </a:r>
+            <a:endParaRPr lang="et-EE" dirty="0"/>
+          </a:p>
+        </p:txBody>
+      </p:sp>
+    </p:spTree>
+    <p:extLst>
+      <p:ext uri="{BB962C8B-B14F-4D97-AF65-F5344CB8AC3E}">
+        <p14:creationId xmlns:p14="http://schemas.microsoft.com/office/powerpoint/2010/main" val="250878944"/>
+      </p:ext>
+    </p:extLst>
+  </p:cSld>
+  <p:clrMapOvr>
+    <a:masterClrMapping/>
+  </p:clrMapOvr>
+  <p:timing>
+    <p:tnLst>
+      <p:par>
+        <p:cTn xmlns:p14="http://schemas.microsoft.com/office/powerpoint/2010/main" id="1" dur="indefinite" restart="never" nodeType="tmRoot"/>
       </p:par>
     </p:tnLst>
   </p:timing>
@@ -3922,6 +5008,13 @@
   <p:clrMapOvr>
     <a:masterClrMapping/>
   </p:clrMapOvr>
+  <p:timing>
+    <p:tnLst>
+      <p:par>
+        <p:cTn xmlns:p14="http://schemas.microsoft.com/office/powerpoint/2010/main" id="1" dur="indefinite" restart="never" nodeType="tmRoot"/>
+      </p:par>
+    </p:tnLst>
+  </p:timing>
 </p:sld>
 </file>
 
@@ -3983,7 +5076,72 @@
           <a:bodyPr/>
           <a:lstStyle/>
           <a:p>
-            <a:endParaRPr lang="et-EE"/>
+            <a:pPr marL="457200" indent="-457200">
+              <a:buFont typeface="Arial"/>
+              <a:buChar char="•"/>
+            </a:pPr>
+            <a:r>
+              <a:rPr lang="et-EE" dirty="0" smtClean="0"/>
+              <a:t>Liitumise info - </a:t>
+            </a:r>
+            <a:r>
+              <a:rPr lang="en-US" sz="2400" dirty="0">
+                <a:hlinkClick r:id="rId2"/>
+              </a:rPr>
+              <a:t>https://www.ria.ee/ee/</a:t>
+            </a:r>
+            <a:r>
+              <a:rPr lang="en-US" sz="2400" dirty="0" smtClean="0">
+                <a:hlinkClick r:id="rId2"/>
+              </a:rPr>
+              <a:t>autentimisteenused.html</a:t>
+            </a:r>
+            <a:endParaRPr lang="en-US" sz="2400" dirty="0" smtClean="0"/>
+          </a:p>
+          <a:p>
+            <a:pPr marL="457200" indent="-457200">
+              <a:buFont typeface="Arial"/>
+              <a:buChar char="•"/>
+            </a:pPr>
+            <a:r>
+              <a:rPr lang="en-US" dirty="0" err="1" smtClean="0"/>
+              <a:t>Testkeskkonnaga</a:t>
+            </a:r>
+            <a:r>
+              <a:rPr lang="en-US" dirty="0" smtClean="0"/>
+              <a:t> </a:t>
+            </a:r>
+            <a:r>
+              <a:rPr lang="en-US" dirty="0" err="1" smtClean="0"/>
+              <a:t>liitumine</a:t>
+            </a:r>
+            <a:endParaRPr lang="en-US" dirty="0"/>
+          </a:p>
+          <a:p>
+            <a:pPr marL="457200" indent="-457200">
+              <a:buFont typeface="Arial"/>
+              <a:buChar char="•"/>
+            </a:pPr>
+            <a:r>
+              <a:rPr lang="en-US" dirty="0" err="1" smtClean="0"/>
+              <a:t>Toodangukeskkonnaga</a:t>
+            </a:r>
+            <a:r>
+              <a:rPr lang="en-US" dirty="0" smtClean="0"/>
+              <a:t> </a:t>
+            </a:r>
+            <a:r>
+              <a:rPr lang="en-US" dirty="0" err="1" smtClean="0"/>
+              <a:t>liitumine</a:t>
+            </a:r>
+            <a:endParaRPr lang="en-US" dirty="0" smtClean="0"/>
+          </a:p>
+          <a:p>
+            <a:pPr marL="457200" indent="-457200">
+              <a:buFont typeface="Arial"/>
+              <a:buChar char="•"/>
+            </a:pPr>
+            <a:endParaRPr lang="et-EE" dirty="0"/>
           </a:p>
         </p:txBody>
       </p:sp>
@@ -3997,6 +5155,13 @@
   <p:clrMapOvr>
     <a:masterClrMapping/>
   </p:clrMapOvr>
+  <p:timing>
+    <p:tnLst>
+      <p:par>
+        <p:cTn xmlns:p14="http://schemas.microsoft.com/office/powerpoint/2010/main" id="1" dur="indefinite" restart="never" nodeType="tmRoot"/>
+      </p:par>
+    </p:tnLst>
+  </p:timing>
 </p:sld>
 </file>
 
@@ -4019,7 +5184,7 @@
       </p:grpSpPr>
       <p:sp>
         <p:nvSpPr>
-          <p:cNvPr id="2" name="Pealkiri 1"/>
+          <p:cNvPr id="2" name="Title 1"/>
           <p:cNvSpPr>
             <a:spLocks noGrp="1"/>
           </p:cNvSpPr>
@@ -4033,20 +5198,28 @@
           <a:lstStyle/>
           <a:p>
             <a:r>
-              <a:rPr lang="et-EE" dirty="0"/>
-              <a:t>5 TARA </a:t>
-            </a:r>
-            <a:r>
-              <a:rPr lang="et-EE" dirty="0" smtClean="0"/>
-              <a:t>kasutusvoog</a:t>
-            </a:r>
-            <a:endParaRPr lang="et-EE" dirty="0"/>
+              <a:rPr lang="en-US" dirty="0" smtClean="0"/>
+              <a:t>PRAKTIKA II: </a:t>
+            </a:r>
+            <a:r>
+              <a:rPr lang="en-US" dirty="0" err="1" smtClean="0"/>
+              <a:t>liitumistaotluse</a:t>
+            </a:r>
+            <a:r>
+              <a:rPr lang="en-US" dirty="0" smtClean="0"/>
+              <a:t> </a:t>
+            </a:r>
+            <a:r>
+              <a:rPr lang="en-US" dirty="0" err="1" smtClean="0"/>
+              <a:t>täitmine</a:t>
+            </a:r>
+            <a:endParaRPr lang="en-US" dirty="0"/>
           </a:p>
         </p:txBody>
       </p:sp>
       <p:sp>
         <p:nvSpPr>
-          <p:cNvPr id="3" name="Sisu kohatäide 2"/>
+          <p:cNvPr id="3" name="Content Placeholder 2"/>
           <p:cNvSpPr>
             <a:spLocks noGrp="1"/>
           </p:cNvSpPr>
@@ -4059,163 +5232,27 @@
           <a:bodyPr/>
           <a:lstStyle/>
           <a:p>
-            <a:pPr marL="457200" indent="-457200">
-              <a:buFont typeface="Arial" panose="020B0604020202020204" pitchFamily="34" charset="0"/>
-              <a:buChar char="•"/>
-            </a:pPr>
-            <a:r>
-              <a:rPr lang="et-EE" dirty="0" err="1"/>
-              <a:t>OpenID</a:t>
-            </a:r>
-            <a:r>
-              <a:rPr lang="et-EE" dirty="0"/>
-              <a:t> </a:t>
-            </a:r>
-            <a:r>
-              <a:rPr lang="et-EE" dirty="0" err="1"/>
-              <a:t>Connect</a:t>
-            </a:r>
-            <a:r>
-              <a:rPr lang="et-EE" dirty="0"/>
-              <a:t> ja </a:t>
-            </a:r>
-            <a:r>
-              <a:rPr lang="et-EE" dirty="0" err="1"/>
-              <a:t>OAuth</a:t>
-            </a:r>
-            <a:r>
-              <a:rPr lang="et-EE" dirty="0"/>
-              <a:t> 2.0</a:t>
-            </a:r>
-          </a:p>
-          <a:p>
-            <a:pPr marL="457200" indent="-457200">
-              <a:buFont typeface="Arial" panose="020B0604020202020204" pitchFamily="34" charset="0"/>
-              <a:buChar char="•"/>
-            </a:pPr>
-            <a:r>
-              <a:rPr lang="et-EE" dirty="0"/>
-              <a:t>autentimispäring</a:t>
-            </a:r>
-          </a:p>
-          <a:p>
-            <a:pPr marL="457200" indent="-457200">
-              <a:buFont typeface="Arial" panose="020B0604020202020204" pitchFamily="34" charset="0"/>
-              <a:buChar char="•"/>
-            </a:pPr>
-            <a:r>
-              <a:rPr lang="et-EE" dirty="0"/>
-              <a:t>tagasipöördumispäring</a:t>
-            </a:r>
-          </a:p>
-          <a:p>
-            <a:pPr marL="457200" indent="-457200">
-              <a:buFont typeface="Arial" panose="020B0604020202020204" pitchFamily="34" charset="0"/>
-              <a:buChar char="•"/>
-            </a:pPr>
-            <a:r>
-              <a:rPr lang="et-EE" dirty="0"/>
-              <a:t>identsustõendi päring</a:t>
-            </a:r>
-          </a:p>
-          <a:p>
-            <a:pPr marL="457200" indent="-457200">
-              <a:buFont typeface="Arial" panose="020B0604020202020204" pitchFamily="34" charset="0"/>
-              <a:buChar char="•"/>
-            </a:pPr>
-            <a:r>
-              <a:rPr lang="et-EE" dirty="0"/>
-              <a:t>seansi </a:t>
-            </a:r>
-            <a:r>
-              <a:rPr lang="et-EE" dirty="0" smtClean="0"/>
-              <a:t>moodustamine</a:t>
-            </a:r>
-          </a:p>
-          <a:p>
-            <a:r>
-              <a:rPr lang="fi-FI" dirty="0" smtClean="0">
-                <a:hlinkClick r:id="rId2"/>
-              </a:rPr>
-              <a:t>"</a:t>
-            </a:r>
-            <a:r>
-              <a:rPr lang="fi-FI" dirty="0" err="1" smtClean="0">
-                <a:hlinkClick r:id="rId2"/>
-              </a:rPr>
-              <a:t>Autentimisvoog</a:t>
-            </a:r>
-            <a:r>
-              <a:rPr lang="fi-FI" dirty="0" smtClean="0">
-                <a:hlinkClick r:id="rId2"/>
-              </a:rPr>
-              <a:t> </a:t>
-            </a:r>
-            <a:r>
-              <a:rPr lang="fi-FI" dirty="0" err="1" smtClean="0">
-                <a:hlinkClick r:id="rId2"/>
-              </a:rPr>
-              <a:t>tehnilises</a:t>
-            </a:r>
-            <a:r>
-              <a:rPr lang="fi-FI" dirty="0" smtClean="0">
-                <a:hlinkClick r:id="rId2"/>
-              </a:rPr>
-              <a:t> </a:t>
-            </a:r>
-            <a:r>
-              <a:rPr lang="fi-FI" dirty="0" err="1" smtClean="0">
-                <a:hlinkClick r:id="rId2"/>
-              </a:rPr>
-              <a:t>vaates</a:t>
-            </a:r>
-            <a:r>
-              <a:rPr lang="fi-FI" dirty="0" smtClean="0">
-                <a:hlinkClick r:id="rId2"/>
-              </a:rPr>
-              <a:t>" (</a:t>
-            </a:r>
-            <a:r>
-              <a:rPr lang="fi-FI" dirty="0" err="1" smtClean="0">
-                <a:hlinkClick r:id="rId2"/>
-              </a:rPr>
-              <a:t>Tehniline</a:t>
-            </a:r>
-            <a:r>
-              <a:rPr lang="fi-FI" dirty="0" smtClean="0">
-                <a:hlinkClick r:id="rId2"/>
-              </a:rPr>
-              <a:t> </a:t>
-            </a:r>
-            <a:r>
-              <a:rPr lang="fi-FI" dirty="0" err="1" smtClean="0">
-                <a:hlinkClick r:id="rId2"/>
-              </a:rPr>
-              <a:t>kirjeldus</a:t>
-            </a:r>
-            <a:r>
-              <a:rPr lang="fi-FI" dirty="0" smtClean="0">
-                <a:hlinkClick r:id="rId2"/>
-              </a:rPr>
-              <a:t>)</a:t>
-            </a:r>
-            <a:endParaRPr lang="et-EE" dirty="0"/>
-          </a:p>
-          <a:p>
-            <a:endParaRPr lang="et-EE" dirty="0"/>
+            <a:endParaRPr lang="en-US"/>
           </a:p>
         </p:txBody>
       </p:sp>
     </p:spTree>
     <p:extLst>
       <p:ext uri="{BB962C8B-B14F-4D97-AF65-F5344CB8AC3E}">
-        <p14:creationId xmlns:p14="http://schemas.microsoft.com/office/powerpoint/2010/main" val="2996617528"/>
+        <p14:creationId xmlns:p14="http://schemas.microsoft.com/office/powerpoint/2010/main" val="706630333"/>
       </p:ext>
     </p:extLst>
   </p:cSld>
   <p:clrMapOvr>
     <a:masterClrMapping/>
   </p:clrMapOvr>
+  <p:timing>
+    <p:tnLst>
+      <p:par>
+        <p:cTn xmlns:p14="http://schemas.microsoft.com/office/powerpoint/2010/main" id="1" dur="indefinite" restart="never" nodeType="tmRoot"/>
+      </p:par>
+    </p:tnLst>
+  </p:timing>
 </p:sld>
 </file>
 
@@ -4252,44 +5289,13 @@
           <a:lstStyle/>
           <a:p>
             <a:r>
-              <a:rPr lang="fi-FI" dirty="0"/>
-              <a:t>6 </a:t>
-            </a:r>
-            <a:r>
-              <a:rPr lang="fi-FI" dirty="0" err="1"/>
-              <a:t>TARAs</a:t>
-            </a:r>
-            <a:r>
-              <a:rPr lang="fi-FI" dirty="0"/>
-              <a:t> </a:t>
-            </a:r>
-            <a:r>
-              <a:rPr lang="fi-FI" dirty="0" err="1"/>
-              <a:t>liikuvatest</a:t>
-            </a:r>
-            <a:r>
-              <a:rPr lang="fi-FI" dirty="0"/>
-              <a:t> </a:t>
-            </a:r>
-            <a:r>
-              <a:rPr lang="fi-FI" dirty="0" err="1"/>
-              <a:t>andmetest</a:t>
-            </a:r>
-            <a:r>
-              <a:rPr lang="fi-FI" dirty="0"/>
-              <a:t> </a:t>
-            </a:r>
-            <a:r>
-              <a:rPr lang="fi-FI" dirty="0" err="1"/>
-              <a:t>detailselt</a:t>
-            </a:r>
-            <a:r>
-              <a:rPr lang="fi-FI" dirty="0"/>
-              <a:t/>
-            </a:r>
-            <a:br>
-              <a:rPr lang="fi-FI" dirty="0"/>
-            </a:br>
+              <a:rPr lang="et-EE" dirty="0"/>
+              <a:t>5 TARA </a:t>
+            </a:r>
+            <a:r>
+              <a:rPr lang="et-EE" dirty="0" smtClean="0"/>
+              <a:t>kasutusvoog</a:t>
+            </a:r>
             <a:endParaRPr lang="et-EE" dirty="0"/>
           </a:p>
         </p:txBody>
@@ -4309,20 +5315,170 @@
           <a:bodyPr/>
           <a:lstStyle/>
           <a:p>
-            <a:endParaRPr lang="et-EE"/>
+            <a:pPr marL="457200" indent="-457200">
+              <a:buFont typeface="Arial" panose="020B0604020202020204" pitchFamily="34" charset="0"/>
+              <a:buChar char="•"/>
+            </a:pPr>
+            <a:r>
+              <a:rPr lang="et-EE" dirty="0" err="1"/>
+              <a:t>OpenID</a:t>
+            </a:r>
+            <a:r>
+              <a:rPr lang="et-EE" dirty="0"/>
+              <a:t> </a:t>
+            </a:r>
+            <a:r>
+              <a:rPr lang="et-EE" dirty="0" err="1"/>
+              <a:t>Connect</a:t>
+            </a:r>
+            <a:r>
+              <a:rPr lang="et-EE" dirty="0"/>
+              <a:t> ja </a:t>
+            </a:r>
+            <a:r>
+              <a:rPr lang="et-EE" dirty="0" err="1"/>
+              <a:t>OAuth</a:t>
+            </a:r>
+            <a:r>
+              <a:rPr lang="et-EE" dirty="0"/>
+              <a:t> 2.0</a:t>
+            </a:r>
+          </a:p>
+          <a:p>
+            <a:pPr marL="457200" indent="-457200">
+              <a:buFont typeface="Arial" panose="020B0604020202020204" pitchFamily="34" charset="0"/>
+              <a:buChar char="•"/>
+            </a:pPr>
+            <a:r>
+              <a:rPr lang="et-EE" dirty="0"/>
+              <a:t>autentimispäring</a:t>
+            </a:r>
+          </a:p>
+          <a:p>
+            <a:pPr marL="457200" indent="-457200">
+              <a:buFont typeface="Arial" panose="020B0604020202020204" pitchFamily="34" charset="0"/>
+              <a:buChar char="•"/>
+            </a:pPr>
+            <a:r>
+              <a:rPr lang="et-EE" dirty="0"/>
+              <a:t>tagasipöördumispäring</a:t>
+            </a:r>
+          </a:p>
+          <a:p>
+            <a:pPr marL="457200" indent="-457200">
+              <a:buFont typeface="Arial" panose="020B0604020202020204" pitchFamily="34" charset="0"/>
+              <a:buChar char="•"/>
+            </a:pPr>
+            <a:r>
+              <a:rPr lang="et-EE" dirty="0"/>
+              <a:t>identsustõendi päring</a:t>
+            </a:r>
+          </a:p>
+          <a:p>
+            <a:pPr marL="457200" indent="-457200">
+              <a:buFont typeface="Arial" panose="020B0604020202020204" pitchFamily="34" charset="0"/>
+              <a:buChar char="•"/>
+            </a:pPr>
+            <a:r>
+              <a:rPr lang="et-EE" dirty="0"/>
+              <a:t>seansi </a:t>
+            </a:r>
+            <a:r>
+              <a:rPr lang="et-EE" dirty="0" smtClean="0"/>
+              <a:t>moodustamine</a:t>
+            </a:r>
+          </a:p>
+          <a:p>
+            <a:r>
+              <a:rPr lang="fi-FI" dirty="0" smtClean="0">
+                <a:hlinkClick r:id="rId2"/>
+              </a:rPr>
+              <a:t>"</a:t>
+            </a:r>
+            <a:r>
+              <a:rPr lang="fi-FI" dirty="0" err="1" smtClean="0">
+                <a:hlinkClick r:id="rId2"/>
+              </a:rPr>
+              <a:t>Autentimisvoog</a:t>
+            </a:r>
+            <a:r>
+              <a:rPr lang="fi-FI" dirty="0" smtClean="0">
+                <a:hlinkClick r:id="rId2"/>
+              </a:rPr>
+              <a:t> </a:t>
+            </a:r>
+            <a:r>
+              <a:rPr lang="fi-FI" dirty="0" err="1" smtClean="0">
+                <a:hlinkClick r:id="rId2"/>
+              </a:rPr>
+              <a:t>tehnilises</a:t>
+            </a:r>
+            <a:r>
+              <a:rPr lang="fi-FI" dirty="0" smtClean="0">
+                <a:hlinkClick r:id="rId2"/>
+              </a:rPr>
+              <a:t> </a:t>
+            </a:r>
+            <a:r>
+              <a:rPr lang="fi-FI" dirty="0" err="1" smtClean="0">
+                <a:hlinkClick r:id="rId2"/>
+              </a:rPr>
+              <a:t>vaates</a:t>
+            </a:r>
+            <a:r>
+              <a:rPr lang="fi-FI" dirty="0" smtClean="0">
+                <a:hlinkClick r:id="rId2"/>
+              </a:rPr>
+              <a:t>" (</a:t>
+            </a:r>
+            <a:r>
+              <a:rPr lang="fi-FI" dirty="0" err="1" smtClean="0">
+                <a:hlinkClick r:id="rId2"/>
+              </a:rPr>
+              <a:t>Tehniline</a:t>
+            </a:r>
+            <a:r>
+              <a:rPr lang="fi-FI" dirty="0" smtClean="0">
+                <a:hlinkClick r:id="rId2"/>
+              </a:rPr>
+              <a:t> </a:t>
+            </a:r>
+            <a:r>
+              <a:rPr lang="fi-FI" dirty="0" err="1" smtClean="0">
+                <a:hlinkClick r:id="rId2"/>
+              </a:rPr>
+              <a:t>kirjeldus</a:t>
+            </a:r>
+            <a:r>
+              <a:rPr lang="fi-FI" dirty="0" smtClean="0">
+                <a:hlinkClick r:id="rId2"/>
+              </a:rPr>
+              <a:t>)</a:t>
+            </a:r>
+            <a:endParaRPr lang="et-EE" dirty="0"/>
+          </a:p>
+          <a:p>
+            <a:endParaRPr lang="et-EE" dirty="0"/>
           </a:p>
         </p:txBody>
       </p:sp>
     </p:spTree>
     <p:extLst>
       <p:ext uri="{BB962C8B-B14F-4D97-AF65-F5344CB8AC3E}">
-        <p14:creationId xmlns:p14="http://schemas.microsoft.com/office/powerpoint/2010/main" val="2863389875"/>
+        <p14:creationId xmlns:p14="http://schemas.microsoft.com/office/powerpoint/2010/main" val="2996617528"/>
       </p:ext>
     </p:extLst>
   </p:cSld>
   <p:clrMapOvr>
     <a:masterClrMapping/>
   </p:clrMapOvr>
+  <p:timing>
+    <p:tnLst>
+      <p:par>
+        <p:cTn xmlns:p14="http://schemas.microsoft.com/office/powerpoint/2010/main" id="1" dur="indefinite" restart="never" nodeType="tmRoot"/>
+      </p:par>
+    </p:tnLst>
+  </p:timing>
 </p:sld>
 </file>
 
@@ -4546,7 +5702,7 @@
         </a:ln>
         <a:effectLst/>
         <a:extLst>
-          <a:ext uri="{AF507438-7753-43E0-B8FC-AC1667EBCBE1}">
+          <a:ext uri="{AF507438-7753-43e0-B8FC-AC1667EBCBE1}">
             <a14:hiddenEffects xmlns:a14="http://schemas.microsoft.com/office/drawing/2010/main">
               <a:effectLst>
                 <a:outerShdw dist="35921" dir="2700000" algn="ctr" rotWithShape="0">
@@ -4619,7 +5775,7 @@
         </a:ln>
         <a:effectLst/>
         <a:extLst>
-          <a:ext uri="{AF507438-7753-43E0-B8FC-AC1667EBCBE1}">
+          <a:ext uri="{AF507438-7753-43e0-B8FC-AC1667EBCBE1}">
             <a14:hiddenEffects xmlns:a14="http://schemas.microsoft.com/office/drawing/2010/main">
               <a:effectLst>
                 <a:outerShdw dist="35921" dir="2700000" algn="ctr" rotWithShape="0">
@@ -4956,7 +6112,7 @@
   </a:extraClrSchemeLst>
   <a:extLst>
     <a:ext uri="{05A4C25C-085E-4340-85A3-A5531E510DB2}">
-      <thm15:themeFamily xmlns:thm15="http://schemas.microsoft.com/office/thememl/2012/main" name="Office Theme" id="{62F939B6-93AF-4DB8-9C6B-D6C7DFDC589F}" vid="{4A3C46E8-61CC-4603-A589-7422A47A8E4A}"/>
+      <thm15:themeFamily xmlns="" xmlns:thm15="http://schemas.microsoft.com/office/thememl/2012/main" name="Office Theme" id="{62F939B6-93AF-4DB8-9C6B-D6C7DFDC589F}" vid="{4A3C46E8-61CC-4603-A589-7422A47A8E4A}"/>
     </a:ext>
   </a:extLst>
 </a:theme>
@@ -5005,7 +6161,7 @@
     </a:clrScheme>
     <a:fontScheme name="Office">
       <a:majorFont>
-        <a:latin typeface="Calibri Light" panose="020F0302020204030204"/>
+        <a:latin typeface="Calibri Light"/>
         <a:ea typeface=""/>
         <a:cs typeface=""/>
         <a:font script="Jpan" typeface="ＭＳ Ｐゴシック"/>
@@ -5040,7 +6196,7 @@
         <a:font script="Geor" typeface="Sylfaen"/>
       </a:majorFont>
       <a:minorFont>
-        <a:latin typeface="Calibri" panose="020F0502020204030204"/>
+        <a:latin typeface="Calibri"/>
         <a:ea typeface=""/>
         <a:cs typeface=""/>
         <a:font script="Jpan" typeface="ＭＳ Ｐゴシック"/>
@@ -5217,7 +6373,7 @@
   <a:extraClrSchemeLst/>
   <a:extLst>
     <a:ext uri="{05A4C25C-085E-4340-85A3-A5531E510DB2}">
-      <thm15:themeFamily xmlns:thm15="http://schemas.microsoft.com/office/thememl/2012/main" name="Office Theme" id="{62F939B6-93AF-4DB8-9C6B-D6C7DFDC589F}" vid="{4A3C46E8-61CC-4603-A589-7422A47A8E4A}"/>
+      <thm15:themeFamily xmlns="" xmlns:thm15="http://schemas.microsoft.com/office/thememl/2012/main" name="Office Theme" id="{62F939B6-93AF-4DB8-9C6B-D6C7DFDC589F}" vid="{4A3C46E8-61CC-4603-A589-7422A47A8E4A}"/>
     </a:ext>
   </a:extLst>
 </a:theme>
